--- a/PrototiposVista.pptx
+++ b/PrototiposVista.pptx
@@ -288,7 +288,8 @@
           <a:p>
             <a:fld id="{84FD468D-F726-4E79-A02D-20B3D23DD963}" type="datetimeFigureOut">
               <a:rPr lang="es-ES" smtClean="0"/>
-              <a:t>06/06/2021</a:t>
+              <a:pPr/>
+              <a:t>07/06/2021</a:t>
             </a:fld>
             <a:endParaRPr lang="es-ES"/>
           </a:p>
@@ -330,6 +331,7 @@
           <a:p>
             <a:fld id="{5DA5F49E-5F2D-47BF-9654-0F8268D3984E}" type="slidenum">
               <a:rPr lang="es-ES" smtClean="0"/>
+              <a:pPr/>
               <a:t>‹Nº›</a:t>
             </a:fld>
             <a:endParaRPr lang="es-ES"/>
@@ -453,7 +455,8 @@
           <a:p>
             <a:fld id="{84FD468D-F726-4E79-A02D-20B3D23DD963}" type="datetimeFigureOut">
               <a:rPr lang="es-ES" smtClean="0"/>
-              <a:t>06/06/2021</a:t>
+              <a:pPr/>
+              <a:t>07/06/2021</a:t>
             </a:fld>
             <a:endParaRPr lang="es-ES"/>
           </a:p>
@@ -495,6 +498,7 @@
           <a:p>
             <a:fld id="{5DA5F49E-5F2D-47BF-9654-0F8268D3984E}" type="slidenum">
               <a:rPr lang="es-ES" smtClean="0"/>
+              <a:pPr/>
               <a:t>‹Nº›</a:t>
             </a:fld>
             <a:endParaRPr lang="es-ES"/>
@@ -628,7 +632,8 @@
           <a:p>
             <a:fld id="{84FD468D-F726-4E79-A02D-20B3D23DD963}" type="datetimeFigureOut">
               <a:rPr lang="es-ES" smtClean="0"/>
-              <a:t>06/06/2021</a:t>
+              <a:pPr/>
+              <a:t>07/06/2021</a:t>
             </a:fld>
             <a:endParaRPr lang="es-ES"/>
           </a:p>
@@ -670,6 +675,7 @@
           <a:p>
             <a:fld id="{5DA5F49E-5F2D-47BF-9654-0F8268D3984E}" type="slidenum">
               <a:rPr lang="es-ES" smtClean="0"/>
+              <a:pPr/>
               <a:t>‹Nº›</a:t>
             </a:fld>
             <a:endParaRPr lang="es-ES"/>
@@ -793,7 +799,8 @@
           <a:p>
             <a:fld id="{84FD468D-F726-4E79-A02D-20B3D23DD963}" type="datetimeFigureOut">
               <a:rPr lang="es-ES" smtClean="0"/>
-              <a:t>06/06/2021</a:t>
+              <a:pPr/>
+              <a:t>07/06/2021</a:t>
             </a:fld>
             <a:endParaRPr lang="es-ES"/>
           </a:p>
@@ -835,6 +842,7 @@
           <a:p>
             <a:fld id="{5DA5F49E-5F2D-47BF-9654-0F8268D3984E}" type="slidenum">
               <a:rPr lang="es-ES" smtClean="0"/>
+              <a:pPr/>
               <a:t>‹Nº›</a:t>
             </a:fld>
             <a:endParaRPr lang="es-ES"/>
@@ -1034,7 +1042,8 @@
           <a:p>
             <a:fld id="{84FD468D-F726-4E79-A02D-20B3D23DD963}" type="datetimeFigureOut">
               <a:rPr lang="es-ES" smtClean="0"/>
-              <a:t>06/06/2021</a:t>
+              <a:pPr/>
+              <a:t>07/06/2021</a:t>
             </a:fld>
             <a:endParaRPr lang="es-ES"/>
           </a:p>
@@ -1076,6 +1085,7 @@
           <a:p>
             <a:fld id="{5DA5F49E-5F2D-47BF-9654-0F8268D3984E}" type="slidenum">
               <a:rPr lang="es-ES" smtClean="0"/>
+              <a:pPr/>
               <a:t>‹Nº›</a:t>
             </a:fld>
             <a:endParaRPr lang="es-ES"/>
@@ -1317,7 +1327,8 @@
           <a:p>
             <a:fld id="{84FD468D-F726-4E79-A02D-20B3D23DD963}" type="datetimeFigureOut">
               <a:rPr lang="es-ES" smtClean="0"/>
-              <a:t>06/06/2021</a:t>
+              <a:pPr/>
+              <a:t>07/06/2021</a:t>
             </a:fld>
             <a:endParaRPr lang="es-ES"/>
           </a:p>
@@ -1359,6 +1370,7 @@
           <a:p>
             <a:fld id="{5DA5F49E-5F2D-47BF-9654-0F8268D3984E}" type="slidenum">
               <a:rPr lang="es-ES" smtClean="0"/>
+              <a:pPr/>
               <a:t>‹Nº›</a:t>
             </a:fld>
             <a:endParaRPr lang="es-ES"/>
@@ -1734,7 +1746,8 @@
           <a:p>
             <a:fld id="{84FD468D-F726-4E79-A02D-20B3D23DD963}" type="datetimeFigureOut">
               <a:rPr lang="es-ES" smtClean="0"/>
-              <a:t>06/06/2021</a:t>
+              <a:pPr/>
+              <a:t>07/06/2021</a:t>
             </a:fld>
             <a:endParaRPr lang="es-ES"/>
           </a:p>
@@ -1776,6 +1789,7 @@
           <a:p>
             <a:fld id="{5DA5F49E-5F2D-47BF-9654-0F8268D3984E}" type="slidenum">
               <a:rPr lang="es-ES" smtClean="0"/>
+              <a:pPr/>
               <a:t>‹Nº›</a:t>
             </a:fld>
             <a:endParaRPr lang="es-ES"/>
@@ -1847,7 +1861,8 @@
           <a:p>
             <a:fld id="{84FD468D-F726-4E79-A02D-20B3D23DD963}" type="datetimeFigureOut">
               <a:rPr lang="es-ES" smtClean="0"/>
-              <a:t>06/06/2021</a:t>
+              <a:pPr/>
+              <a:t>07/06/2021</a:t>
             </a:fld>
             <a:endParaRPr lang="es-ES"/>
           </a:p>
@@ -1889,6 +1904,7 @@
           <a:p>
             <a:fld id="{5DA5F49E-5F2D-47BF-9654-0F8268D3984E}" type="slidenum">
               <a:rPr lang="es-ES" smtClean="0"/>
+              <a:pPr/>
               <a:t>‹Nº›</a:t>
             </a:fld>
             <a:endParaRPr lang="es-ES"/>
@@ -1937,7 +1953,8 @@
           <a:p>
             <a:fld id="{84FD468D-F726-4E79-A02D-20B3D23DD963}" type="datetimeFigureOut">
               <a:rPr lang="es-ES" smtClean="0"/>
-              <a:t>06/06/2021</a:t>
+              <a:pPr/>
+              <a:t>07/06/2021</a:t>
             </a:fld>
             <a:endParaRPr lang="es-ES"/>
           </a:p>
@@ -1979,6 +1996,7 @@
           <a:p>
             <a:fld id="{5DA5F49E-5F2D-47BF-9654-0F8268D3984E}" type="slidenum">
               <a:rPr lang="es-ES" smtClean="0"/>
+              <a:pPr/>
               <a:t>‹Nº›</a:t>
             </a:fld>
             <a:endParaRPr lang="es-ES"/>
@@ -2209,7 +2227,8 @@
           <a:p>
             <a:fld id="{84FD468D-F726-4E79-A02D-20B3D23DD963}" type="datetimeFigureOut">
               <a:rPr lang="es-ES" smtClean="0"/>
-              <a:t>06/06/2021</a:t>
+              <a:pPr/>
+              <a:t>07/06/2021</a:t>
             </a:fld>
             <a:endParaRPr lang="es-ES"/>
           </a:p>
@@ -2251,6 +2270,7 @@
           <a:p>
             <a:fld id="{5DA5F49E-5F2D-47BF-9654-0F8268D3984E}" type="slidenum">
               <a:rPr lang="es-ES" smtClean="0"/>
+              <a:pPr/>
               <a:t>‹Nº›</a:t>
             </a:fld>
             <a:endParaRPr lang="es-ES"/>
@@ -2457,7 +2477,8 @@
           <a:p>
             <a:fld id="{84FD468D-F726-4E79-A02D-20B3D23DD963}" type="datetimeFigureOut">
               <a:rPr lang="es-ES" smtClean="0"/>
-              <a:t>06/06/2021</a:t>
+              <a:pPr/>
+              <a:t>07/06/2021</a:t>
             </a:fld>
             <a:endParaRPr lang="es-ES"/>
           </a:p>
@@ -2499,6 +2520,7 @@
           <a:p>
             <a:fld id="{5DA5F49E-5F2D-47BF-9654-0F8268D3984E}" type="slidenum">
               <a:rPr lang="es-ES" smtClean="0"/>
+              <a:pPr/>
               <a:t>‹Nº›</a:t>
             </a:fld>
             <a:endParaRPr lang="es-ES"/>
@@ -2665,7 +2687,8 @@
           <a:p>
             <a:fld id="{84FD468D-F726-4E79-A02D-20B3D23DD963}" type="datetimeFigureOut">
               <a:rPr lang="es-ES" smtClean="0"/>
-              <a:t>06/06/2021</a:t>
+              <a:pPr/>
+              <a:t>07/06/2021</a:t>
             </a:fld>
             <a:endParaRPr lang="es-ES"/>
           </a:p>
@@ -2743,6 +2766,7 @@
           <a:p>
             <a:fld id="{5DA5F49E-5F2D-47BF-9654-0F8268D3984E}" type="slidenum">
               <a:rPr lang="es-ES" smtClean="0"/>
+              <a:pPr/>
               <a:t>‹Nº›</a:t>
             </a:fld>
             <a:endParaRPr lang="es-ES"/>
@@ -3597,7 +3621,15 @@
             </a:r>
             <a:r>
               <a:rPr lang="es-ES" b="1" dirty="0" smtClean="0"/>
-              <a:t> +</a:t>
+              <a:t> </a:t>
+            </a:r>
+            <a:r>
+              <a:rPr lang="es-ES" b="1" dirty="0" smtClean="0">
+                <a:solidFill>
+                  <a:srgbClr val="00B0F0"/>
+                </a:solidFill>
+              </a:rPr>
+              <a:t>+</a:t>
             </a:r>
           </a:p>
           <a:p>
@@ -3704,8 +3736,8 @@
           </p:nvSpPr>
           <p:spPr>
             <a:xfrm>
-              <a:off x="4786314" y="2928934"/>
-              <a:ext cx="1571636" cy="642942"/>
+              <a:off x="4714876" y="2928934"/>
+              <a:ext cx="1643074" cy="642942"/>
             </a:xfrm>
             <a:prstGeom prst="rect">
               <a:avLst/>
@@ -3747,8 +3779,25 @@
               </a:r>
               <a:r>
                 <a:rPr lang="es-ES" b="1" dirty="0" smtClean="0"/>
-                <a:t> +</a:t>
+                <a:t> </a:t>
               </a:r>
+              <a:r>
+                <a:rPr lang="es-ES" b="1" dirty="0" smtClean="0"/>
+                <a:t> </a:t>
+              </a:r>
+              <a:r>
+                <a:rPr lang="es-ES" b="1" dirty="0" smtClean="0">
+                  <a:solidFill>
+                    <a:srgbClr val="00B0F0"/>
+                  </a:solidFill>
+                </a:rPr>
+                <a:t>+</a:t>
+              </a:r>
+              <a:endParaRPr lang="es-ES" b="1" dirty="0" smtClean="0">
+                <a:solidFill>
+                  <a:srgbClr val="00B0F0"/>
+                </a:solidFill>
+              </a:endParaRPr>
             </a:p>
             <a:p>
               <a:r>
@@ -3850,7 +3899,7 @@
           <p:spPr bwMode="auto">
             <a:xfrm>
               <a:off x="4143372" y="3000372"/>
-              <a:ext cx="571504" cy="571504"/>
+              <a:ext cx="500066" cy="500066"/>
             </a:xfrm>
             <a:prstGeom prst="rect">
               <a:avLst/>
@@ -4017,8 +4066,8 @@
         </p:nvGrpSpPr>
         <p:grpSpPr>
           <a:xfrm>
-            <a:off x="214282" y="2643182"/>
-            <a:ext cx="2286016" cy="644530"/>
+            <a:off x="285720" y="2643182"/>
+            <a:ext cx="2214578" cy="644530"/>
             <a:chOff x="4143372" y="3643314"/>
             <a:chExt cx="2286016" cy="644530"/>
           </a:xfrm>
@@ -4070,11 +4119,23 @@
               </a:r>
               <a:r>
                 <a:rPr lang="es-ES" sz="1200" dirty="0" smtClean="0"/>
-                <a:t>       </a:t>
+                <a:t> </a:t>
+              </a:r>
+              <a:r>
+                <a:rPr lang="es-ES" sz="1200" dirty="0" smtClean="0"/>
+                <a:t>    </a:t>
               </a:r>
               <a:r>
                 <a:rPr lang="es-ES" b="1" dirty="0" smtClean="0"/>
-                <a:t>          +</a:t>
+                <a:t>          </a:t>
+              </a:r>
+              <a:r>
+                <a:rPr lang="es-ES" b="1" dirty="0" smtClean="0">
+                  <a:solidFill>
+                    <a:srgbClr val="00B0F0"/>
+                  </a:solidFill>
+                </a:rPr>
+                <a:t>+</a:t>
               </a:r>
             </a:p>
             <a:p>
@@ -4176,8 +4237,8 @@
           </p:blipFill>
           <p:spPr bwMode="auto">
             <a:xfrm>
-              <a:off x="4159138" y="3714752"/>
-              <a:ext cx="412862" cy="550983"/>
+              <a:off x="4197290" y="3714753"/>
+              <a:ext cx="374709" cy="500066"/>
             </a:xfrm>
             <a:prstGeom prst="rect">
               <a:avLst/>
@@ -4401,8 +4462,8 @@
           </p:nvSpPr>
           <p:spPr>
             <a:xfrm>
-              <a:off x="4786314" y="2928934"/>
-              <a:ext cx="1571636" cy="642942"/>
+              <a:off x="4714876" y="2928934"/>
+              <a:ext cx="1643074" cy="642942"/>
             </a:xfrm>
             <a:prstGeom prst="rect">
               <a:avLst/>
@@ -4444,7 +4505,15 @@
               </a:r>
               <a:r>
                 <a:rPr lang="es-ES" b="1" dirty="0" smtClean="0"/>
-                <a:t>        +</a:t>
+                <a:t>        </a:t>
+              </a:r>
+              <a:r>
+                <a:rPr lang="es-ES" b="1" dirty="0" smtClean="0">
+                  <a:solidFill>
+                    <a:srgbClr val="00B0F0"/>
+                  </a:solidFill>
+                </a:rPr>
+                <a:t>+</a:t>
               </a:r>
             </a:p>
             <a:p>
@@ -4547,7 +4616,7 @@
           <p:spPr bwMode="auto">
             <a:xfrm>
               <a:off x="4143372" y="3000372"/>
-              <a:ext cx="571504" cy="571504"/>
+              <a:ext cx="500066" cy="500066"/>
             </a:xfrm>
             <a:prstGeom prst="rect">
               <a:avLst/>
@@ -4564,8 +4633,8 @@
         </p:nvGrpSpPr>
         <p:grpSpPr>
           <a:xfrm>
-            <a:off x="2857488" y="2643182"/>
-            <a:ext cx="2286016" cy="644530"/>
+            <a:off x="2928926" y="2643182"/>
+            <a:ext cx="2214578" cy="644530"/>
             <a:chOff x="4143372" y="3643314"/>
             <a:chExt cx="2286016" cy="644530"/>
           </a:xfrm>
@@ -4617,11 +4686,19 @@
               </a:r>
               <a:r>
                 <a:rPr lang="es-ES" sz="1200" dirty="0" smtClean="0"/>
-                <a:t>       </a:t>
+                <a:t>    </a:t>
               </a:r>
               <a:r>
                 <a:rPr lang="es-ES" b="1" dirty="0" smtClean="0"/>
-                <a:t>           +</a:t>
+                <a:t>           </a:t>
+              </a:r>
+              <a:r>
+                <a:rPr lang="es-ES" b="1" dirty="0" smtClean="0">
+                  <a:solidFill>
+                    <a:srgbClr val="00B0F0"/>
+                  </a:solidFill>
+                </a:rPr>
+                <a:t>+</a:t>
               </a:r>
             </a:p>
             <a:p>
@@ -4715,7 +4792,7 @@
             <p:nvPr/>
           </p:nvPicPr>
           <p:blipFill>
-            <a:blip r:embed="rId8" cstate="print"/>
+            <a:blip r:embed="rId9" cstate="print"/>
             <a:srcRect/>
             <a:stretch>
               <a:fillRect/>
@@ -4723,7 +4800,7 @@
           </p:blipFill>
           <p:spPr bwMode="auto">
             <a:xfrm>
-              <a:off x="4159138" y="3714752"/>
+              <a:off x="4230576" y="3714752"/>
               <a:ext cx="412862" cy="550983"/>
             </a:xfrm>
             <a:prstGeom prst="rect">
@@ -4837,7 +4914,7 @@
             <p:nvPr/>
           </p:nvPicPr>
           <p:blipFill>
-            <a:blip r:embed="rId9" cstate="print"/>
+            <a:blip r:embed="rId10" cstate="print"/>
             <a:srcRect/>
             <a:stretch>
               <a:fillRect/>
@@ -4997,7 +5074,7 @@
           <p:nvPr/>
         </p:nvPicPr>
         <p:blipFill>
-          <a:blip r:embed="rId10" cstate="print"/>
+          <a:blip r:embed="rId11" cstate="print"/>
           <a:srcRect/>
           <a:stretch>
             <a:fillRect/>
@@ -5016,13 +5093,118 @@
       </p:pic>
       <p:sp>
         <p:nvSpPr>
-          <p:cNvPr id="93" name="92 Rectángulo redondeado"/>
+          <p:cNvPr id="1078" name="AutoShape 54" descr="BOTON DE MERCADO PAGO -"/>
+          <p:cNvSpPr>
+            <a:spLocks noChangeAspect="1" noChangeArrowheads="1"/>
+          </p:cNvSpPr>
+          <p:nvPr/>
+        </p:nvSpPr>
+        <p:spPr bwMode="auto">
+          <a:xfrm>
+            <a:off x="155575" y="-144463"/>
+            <a:ext cx="304800" cy="304801"/>
+          </a:xfrm>
+          <a:prstGeom prst="rect">
+            <a:avLst/>
+          </a:prstGeom>
+          <a:noFill/>
+        </p:spPr>
+        <p:txBody>
+          <a:bodyPr vert="horz" wrap="square" lIns="91440" tIns="45720" rIns="91440" bIns="45720" numCol="1" anchor="t" anchorCtr="0" compatLnSpc="1">
+            <a:prstTxWarp prst="textNoShape">
+              <a:avLst/>
+            </a:prstTxWarp>
+          </a:bodyPr>
+          <a:lstStyle/>
+          <a:p>
+            <a:endParaRPr lang="es-ES"/>
+          </a:p>
+        </p:txBody>
+      </p:sp>
+      <p:sp>
+        <p:nvSpPr>
+          <p:cNvPr id="1080" name="AutoShape 56" descr="BOTON DE MERCADO PAGO -"/>
+          <p:cNvSpPr>
+            <a:spLocks noChangeAspect="1" noChangeArrowheads="1"/>
+          </p:cNvSpPr>
+          <p:nvPr/>
+        </p:nvSpPr>
+        <p:spPr bwMode="auto">
+          <a:xfrm>
+            <a:off x="155575" y="-144463"/>
+            <a:ext cx="304800" cy="304801"/>
+          </a:xfrm>
+          <a:prstGeom prst="rect">
+            <a:avLst/>
+          </a:prstGeom>
+          <a:noFill/>
+        </p:spPr>
+        <p:txBody>
+          <a:bodyPr vert="horz" wrap="square" lIns="91440" tIns="45720" rIns="91440" bIns="45720" numCol="1" anchor="t" anchorCtr="0" compatLnSpc="1">
+            <a:prstTxWarp prst="textNoShape">
+              <a:avLst/>
+            </a:prstTxWarp>
+          </a:bodyPr>
+          <a:lstStyle/>
+          <a:p>
+            <a:endParaRPr lang="es-ES"/>
+          </a:p>
+        </p:txBody>
+      </p:sp>
+      <p:sp>
+        <p:nvSpPr>
+          <p:cNvPr id="89" name="88 Llamada rectangular redondeada"/>
           <p:cNvSpPr/>
           <p:nvPr/>
         </p:nvSpPr>
         <p:spPr>
           <a:xfrm>
-            <a:off x="6572264" y="142852"/>
+            <a:off x="6215106" y="71438"/>
+            <a:ext cx="2857488" cy="4429132"/>
+          </a:xfrm>
+          <a:prstGeom prst="wedgeRoundRectCallout">
+            <a:avLst>
+              <a:gd name="adj1" fmla="val -78499"/>
+              <a:gd name="adj2" fmla="val -20296"/>
+              <a:gd name="adj3" fmla="val 16667"/>
+            </a:avLst>
+          </a:prstGeom>
+          <a:ln w="12700"/>
+        </p:spPr>
+        <p:style>
+          <a:lnRef idx="2">
+            <a:schemeClr val="accent1">
+              <a:shade val="50000"/>
+            </a:schemeClr>
+          </a:lnRef>
+          <a:fillRef idx="1">
+            <a:schemeClr val="accent1"/>
+          </a:fillRef>
+          <a:effectRef idx="0">
+            <a:schemeClr val="accent1"/>
+          </a:effectRef>
+          <a:fontRef idx="minor">
+            <a:schemeClr val="lt1"/>
+          </a:fontRef>
+        </p:style>
+        <p:txBody>
+          <a:bodyPr rtlCol="0" anchor="ctr"/>
+          <a:lstStyle/>
+          <a:p>
+            <a:pPr algn="ctr"/>
+            <a:endParaRPr lang="es-ES"/>
+          </a:p>
+        </p:txBody>
+      </p:sp>
+      <p:sp>
+        <p:nvSpPr>
+          <p:cNvPr id="90" name="89 Rectángulo redondeado"/>
+          <p:cNvSpPr/>
+          <p:nvPr/>
+        </p:nvSpPr>
+        <p:spPr>
+          <a:xfrm>
+            <a:off x="6500858" y="214290"/>
             <a:ext cx="2357454" cy="4071966"/>
           </a:xfrm>
           <a:prstGeom prst="roundRect">
@@ -5054,13 +5236,13 @@
       </p:sp>
       <p:sp>
         <p:nvSpPr>
-          <p:cNvPr id="94" name="93 Rectángulo"/>
+          <p:cNvPr id="91" name="90 Rectángulo"/>
           <p:cNvSpPr/>
           <p:nvPr/>
         </p:nvSpPr>
         <p:spPr>
           <a:xfrm>
-            <a:off x="6572264" y="428604"/>
+            <a:off x="6500858" y="500042"/>
             <a:ext cx="2357454" cy="500066"/>
           </a:xfrm>
           <a:prstGeom prst="rect">
@@ -5105,7 +5287,7 @@
       </p:sp>
       <p:pic>
         <p:nvPicPr>
-          <p:cNvPr id="95" name="Picture 2" descr="Menú Botón Casa - Imagen gratis en Pixabay"/>
+          <p:cNvPr id="92" name="Picture 2" descr="Menú Botón Casa - Imagen gratis en Pixabay"/>
           <p:cNvPicPr>
             <a:picLocks noChangeAspect="1" noChangeArrowheads="1"/>
           </p:cNvPicPr>
@@ -5120,7 +5302,7 @@
         </p:blipFill>
         <p:spPr bwMode="auto">
           <a:xfrm>
-            <a:off x="6643702" y="500042"/>
+            <a:off x="6572296" y="571480"/>
             <a:ext cx="357190" cy="357190"/>
           </a:xfrm>
           <a:prstGeom prst="rect">
@@ -5131,7 +5313,7 @@
       </p:pic>
       <p:pic>
         <p:nvPicPr>
-          <p:cNvPr id="98" name="Picture 20" descr="Icono Del Carrito De Compras. Diseño De Color Azul Ilustración del Vector -  Ilustración de icono, forma: 209472475"/>
+          <p:cNvPr id="96" name="Picture 20" descr="Icono Del Carrito De Compras. Diseño De Color Azul Ilustración del Vector -  Ilustración de icono, forma: 209472475"/>
           <p:cNvPicPr>
             <a:picLocks noChangeAspect="1" noChangeArrowheads="1"/>
           </p:cNvPicPr>
@@ -5146,7 +5328,7 @@
         </p:blipFill>
         <p:spPr bwMode="auto">
           <a:xfrm>
-            <a:off x="8572528" y="1000108"/>
+            <a:off x="8501122" y="1071546"/>
             <a:ext cx="285752" cy="285752"/>
           </a:xfrm>
           <a:prstGeom prst="rect">
@@ -5157,13 +5339,13 @@
       </p:pic>
       <p:grpSp>
         <p:nvGrpSpPr>
-          <p:cNvPr id="109" name="108 Grupo"/>
+          <p:cNvPr id="97" name="96 Grupo"/>
           <p:cNvGrpSpPr/>
           <p:nvPr/>
         </p:nvGrpSpPr>
         <p:grpSpPr>
           <a:xfrm>
-            <a:off x="6715140" y="1285860"/>
+            <a:off x="6643734" y="1357298"/>
             <a:ext cx="2214578" cy="287340"/>
             <a:chOff x="1285852" y="2000240"/>
             <a:chExt cx="2214578" cy="287340"/>
@@ -5171,7 +5353,7 @@
         </p:grpSpPr>
         <p:sp>
           <p:nvSpPr>
-            <p:cNvPr id="111" name="110 Rectángulo"/>
+            <p:cNvPr id="99" name="98 Rectángulo"/>
             <p:cNvSpPr/>
             <p:nvPr/>
           </p:nvSpPr>
@@ -5211,16 +5393,24 @@
                 <a:t>1      Pizza tropical   $ 250.00      </a:t>
               </a:r>
               <a:r>
-                <a:rPr lang="es-ES" sz="1200" b="1" dirty="0" smtClean="0"/>
+                <a:rPr lang="es-ES" sz="1200" b="1" dirty="0" smtClean="0">
+                  <a:solidFill>
+                    <a:srgbClr val="FF0000"/>
+                  </a:solidFill>
+                </a:rPr>
                 <a:t>X</a:t>
               </a:r>
-              <a:endParaRPr lang="es-ES" b="1" dirty="0"/>
+              <a:endParaRPr lang="es-ES" b="1" dirty="0">
+                <a:solidFill>
+                  <a:srgbClr val="FF0000"/>
+                </a:solidFill>
+              </a:endParaRPr>
             </a:p>
           </p:txBody>
         </p:sp>
         <p:cxnSp>
           <p:nvCxnSpPr>
-            <p:cNvPr id="113" name="112 Conector recto"/>
+            <p:cNvPr id="100" name="99 Conector recto"/>
             <p:cNvCxnSpPr/>
             <p:nvPr/>
           </p:nvCxnSpPr>
@@ -5251,14 +5441,14 @@
       </p:grpSp>
       <p:pic>
         <p:nvPicPr>
-          <p:cNvPr id="115" name="Picture 52" descr="Número 1 Blanco en Círculo Rojo PNG transparente - StickPNG"/>
+          <p:cNvPr id="101" name="Picture 52" descr="Número 1 Blanco en Círculo Rojo PNG transparente - StickPNG"/>
           <p:cNvPicPr>
             <a:picLocks noChangeAspect="1" noChangeArrowheads="1"/>
           </p:cNvPicPr>
           <p:nvPr/>
         </p:nvPicPr>
         <p:blipFill>
-          <a:blip r:embed="rId10" cstate="print"/>
+          <a:blip r:embed="rId11" cstate="print"/>
           <a:srcRect/>
           <a:stretch>
             <a:fillRect/>
@@ -5266,7 +5456,7 @@
         </p:blipFill>
         <p:spPr bwMode="auto">
           <a:xfrm>
-            <a:off x="8643965" y="928670"/>
+            <a:off x="8572559" y="1000108"/>
             <a:ext cx="142877" cy="142877"/>
           </a:xfrm>
           <a:prstGeom prst="rect">
@@ -5277,13 +5467,13 @@
       </p:pic>
       <p:sp>
         <p:nvSpPr>
-          <p:cNvPr id="116" name="115 CuadroTexto"/>
+          <p:cNvPr id="102" name="101 CuadroTexto"/>
           <p:cNvSpPr txBox="1"/>
           <p:nvPr/>
         </p:nvSpPr>
         <p:spPr>
           <a:xfrm>
-            <a:off x="6643702" y="928670"/>
+            <a:off x="6572296" y="1000108"/>
             <a:ext cx="1397306" cy="276999"/>
           </a:xfrm>
           <a:prstGeom prst="rect">
@@ -5305,23 +5495,142 @@
           </a:p>
         </p:txBody>
       </p:sp>
+      <p:sp>
+        <p:nvSpPr>
+          <p:cNvPr id="103" name="102 Rectángulo"/>
+          <p:cNvSpPr/>
+          <p:nvPr/>
+        </p:nvSpPr>
+        <p:spPr>
+          <a:xfrm>
+            <a:off x="7358114" y="1714488"/>
+            <a:ext cx="1428760" cy="214314"/>
+          </a:xfrm>
+          <a:prstGeom prst="rect">
+            <a:avLst/>
+          </a:prstGeom>
+          <a:noFill/>
+          <a:ln w="25400">
+            <a:noFill/>
+          </a:ln>
+        </p:spPr>
+        <p:style>
+          <a:lnRef idx="2">
+            <a:schemeClr val="dk1"/>
+          </a:lnRef>
+          <a:fillRef idx="1">
+            <a:schemeClr val="lt1"/>
+          </a:fillRef>
+          <a:effectRef idx="0">
+            <a:schemeClr val="dk1"/>
+          </a:effectRef>
+          <a:fontRef idx="minor">
+            <a:schemeClr val="dk1"/>
+          </a:fontRef>
+        </p:style>
+        <p:txBody>
+          <a:bodyPr lIns="0" tIns="0" rIns="0" bIns="0" rtlCol="0" anchor="ctr"/>
+          <a:lstStyle/>
+          <a:p>
+            <a:r>
+              <a:rPr lang="es-ES" sz="1200" dirty="0" smtClean="0"/>
+              <a:t>TOTAL   $ 250.00 </a:t>
+            </a:r>
+            <a:endParaRPr lang="es-ES" b="1" dirty="0"/>
+          </a:p>
+        </p:txBody>
+      </p:sp>
+      <p:pic>
+        <p:nvPicPr>
+          <p:cNvPr id="104" name="Picture 58" descr="BOTON DE MERCADO PAGO -"/>
+          <p:cNvPicPr>
+            <a:picLocks noChangeAspect="1" noChangeArrowheads="1"/>
+          </p:cNvPicPr>
+          <p:nvPr/>
+        </p:nvPicPr>
+        <p:blipFill>
+          <a:blip r:embed="rId12" cstate="print"/>
+          <a:srcRect/>
+          <a:stretch>
+            <a:fillRect/>
+          </a:stretch>
+        </p:blipFill>
+        <p:spPr bwMode="auto">
+          <a:xfrm>
+            <a:off x="6715172" y="3378993"/>
+            <a:ext cx="1928826" cy="578649"/>
+          </a:xfrm>
+          <a:prstGeom prst="rect">
+            <a:avLst/>
+          </a:prstGeom>
+          <a:noFill/>
+        </p:spPr>
+      </p:pic>
+      <p:sp>
+        <p:nvSpPr>
+          <p:cNvPr id="105" name="104 Rectángulo redondeado"/>
+          <p:cNvSpPr/>
+          <p:nvPr/>
+        </p:nvSpPr>
+        <p:spPr>
+          <a:xfrm>
+            <a:off x="6786610" y="3071810"/>
+            <a:ext cx="1857388" cy="214314"/>
+          </a:xfrm>
+          <a:prstGeom prst="roundRect">
+            <a:avLst/>
+          </a:prstGeom>
+          <a:ln/>
+        </p:spPr>
+        <p:style>
+          <a:lnRef idx="1">
+            <a:schemeClr val="accent2"/>
+          </a:lnRef>
+          <a:fillRef idx="2">
+            <a:schemeClr val="accent2"/>
+          </a:fillRef>
+          <a:effectRef idx="1">
+            <a:schemeClr val="accent2"/>
+          </a:effectRef>
+          <a:fontRef idx="minor">
+            <a:schemeClr val="dk1"/>
+          </a:fontRef>
+        </p:style>
+        <p:txBody>
+          <a:bodyPr lIns="0" tIns="0" rIns="0" bIns="0" rtlCol="0" anchor="ctr"/>
+          <a:lstStyle/>
+          <a:p>
+            <a:pPr algn="ctr"/>
+            <a:r>
+              <a:rPr lang="es-ES" sz="1200" dirty="0" smtClean="0"/>
+              <a:t>Acordar con el </a:t>
+            </a:r>
+            <a:r>
+              <a:rPr lang="es-ES" sz="1200" dirty="0" smtClean="0"/>
+              <a:t>vendedor</a:t>
+            </a:r>
+            <a:endParaRPr lang="es-ES" sz="1200" dirty="0"/>
+          </a:p>
+        </p:txBody>
+      </p:sp>
       <p:cxnSp>
         <p:nvCxnSpPr>
-          <p:cNvPr id="121" name="120 Conector recto"/>
+          <p:cNvPr id="107" name="106 Conector recto"/>
           <p:cNvCxnSpPr>
-            <a:stCxn id="73" idx="3"/>
+            <a:stCxn id="89" idx="4"/>
+            <a:endCxn id="67" idx="3"/>
           </p:cNvCxnSpPr>
           <p:nvPr/>
         </p:nvCxnSpPr>
         <p:spPr>
-          <a:xfrm flipV="1">
-            <a:off x="5143504" y="357166"/>
-            <a:ext cx="1428760" cy="785818"/>
+          <a:xfrm rot="5400000">
+            <a:off x="5065551" y="1450726"/>
+            <a:ext cx="398859" cy="271540"/>
           </a:xfrm>
           <a:prstGeom prst="line">
             <a:avLst/>
           </a:prstGeom>
-          <a:ln w="73025"/>
+          <a:ln w="22225"/>
         </p:spPr>
         <p:style>
           <a:lnRef idx="1">
@@ -5340,21 +5649,22 @@
       </p:cxnSp>
       <p:cxnSp>
         <p:nvCxnSpPr>
-          <p:cNvPr id="123" name="122 Conector recto"/>
+          <p:cNvPr id="110" name="109 Conector recto"/>
           <p:cNvCxnSpPr>
-            <a:stCxn id="73" idx="3"/>
+            <a:stCxn id="89" idx="4"/>
+            <a:endCxn id="73" idx="3"/>
           </p:cNvCxnSpPr>
           <p:nvPr/>
         </p:nvCxnSpPr>
         <p:spPr>
-          <a:xfrm>
-            <a:off x="5143504" y="1142984"/>
-            <a:ext cx="1428760" cy="2786082"/>
+          <a:xfrm rot="5400000" flipH="1">
+            <a:off x="5150085" y="1136403"/>
+            <a:ext cx="244083" cy="257246"/>
           </a:xfrm>
           <a:prstGeom prst="line">
             <a:avLst/>
           </a:prstGeom>
-          <a:ln w="73025"/>
+          <a:ln w="22225"/>
         </p:spPr>
         <p:style>
           <a:lnRef idx="1">
@@ -5371,184 +5681,70 @@
           </a:fontRef>
         </p:style>
       </p:cxnSp>
-      <p:sp>
-        <p:nvSpPr>
-          <p:cNvPr id="124" name="123 Rectángulo"/>
-          <p:cNvSpPr/>
+      <p:cxnSp>
+        <p:nvCxnSpPr>
+          <p:cNvPr id="114" name="113 Conector recto"/>
+          <p:cNvCxnSpPr>
+            <a:stCxn id="1032" idx="2"/>
+          </p:cNvCxnSpPr>
           <p:nvPr/>
-        </p:nvSpPr>
+        </p:nvCxnSpPr>
         <p:spPr>
-          <a:xfrm>
-            <a:off x="7429520" y="1643050"/>
-            <a:ext cx="1428760" cy="214314"/>
-          </a:xfrm>
-          <a:prstGeom prst="rect">
+          <a:xfrm rot="16200000" flipH="1">
+            <a:off x="767926" y="839372"/>
+            <a:ext cx="1588" cy="750099"/>
+          </a:xfrm>
+          <a:prstGeom prst="line">
             <a:avLst/>
           </a:prstGeom>
-          <a:noFill/>
-          <a:ln w="25400">
-            <a:noFill/>
-          </a:ln>
         </p:spPr>
         <p:style>
-          <a:lnRef idx="2">
-            <a:schemeClr val="dk1"/>
+          <a:lnRef idx="1">
+            <a:schemeClr val="accent1"/>
           </a:lnRef>
-          <a:fillRef idx="1">
-            <a:schemeClr val="lt1"/>
+          <a:fillRef idx="0">
+            <a:schemeClr val="accent1"/>
           </a:fillRef>
           <a:effectRef idx="0">
-            <a:schemeClr val="dk1"/>
+            <a:schemeClr val="accent1"/>
           </a:effectRef>
           <a:fontRef idx="minor">
-            <a:schemeClr val="dk1"/>
+            <a:schemeClr val="tx1"/>
           </a:fontRef>
         </p:style>
-        <p:txBody>
-          <a:bodyPr lIns="0" tIns="0" rIns="0" bIns="0" rtlCol="0" anchor="ctr"/>
-          <a:lstStyle/>
-          <a:p>
-            <a:r>
-              <a:rPr lang="es-ES" sz="1200" dirty="0" smtClean="0"/>
-              <a:t>TOTAL   $ 250.00 </a:t>
-            </a:r>
-            <a:endParaRPr lang="es-ES" b="1" dirty="0"/>
-          </a:p>
-        </p:txBody>
-      </p:sp>
-      <p:sp>
-        <p:nvSpPr>
-          <p:cNvPr id="1078" name="AutoShape 54" descr="BOTON DE MERCADO PAGO -"/>
-          <p:cNvSpPr>
-            <a:spLocks noChangeAspect="1" noChangeArrowheads="1"/>
-          </p:cNvSpPr>
+      </p:cxnSp>
+      <p:cxnSp>
+        <p:nvCxnSpPr>
+          <p:cNvPr id="118" name="117 Conector recto"/>
+          <p:cNvCxnSpPr>
+            <a:stCxn id="71" idx="2"/>
+          </p:cNvCxnSpPr>
           <p:nvPr/>
-        </p:nvSpPr>
-        <p:spPr bwMode="auto">
-          <a:xfrm>
-            <a:off x="155575" y="-144463"/>
-            <a:ext cx="304800" cy="304801"/>
-          </a:xfrm>
-          <a:prstGeom prst="rect">
+        </p:nvCxnSpPr>
+        <p:spPr>
+          <a:xfrm rot="16200000" flipH="1">
+            <a:off x="3411132" y="839372"/>
+            <a:ext cx="1588" cy="750099"/>
+          </a:xfrm>
+          <a:prstGeom prst="line">
             <a:avLst/>
           </a:prstGeom>
-          <a:noFill/>
-        </p:spPr>
-        <p:txBody>
-          <a:bodyPr vert="horz" wrap="square" lIns="91440" tIns="45720" rIns="91440" bIns="45720" numCol="1" anchor="t" anchorCtr="0" compatLnSpc="1">
-            <a:prstTxWarp prst="textNoShape">
-              <a:avLst/>
-            </a:prstTxWarp>
-          </a:bodyPr>
-          <a:lstStyle/>
-          <a:p>
-            <a:endParaRPr lang="es-ES"/>
-          </a:p>
-        </p:txBody>
-      </p:sp>
-      <p:sp>
-        <p:nvSpPr>
-          <p:cNvPr id="1080" name="AutoShape 56" descr="BOTON DE MERCADO PAGO -"/>
-          <p:cNvSpPr>
-            <a:spLocks noChangeAspect="1" noChangeArrowheads="1"/>
-          </p:cNvSpPr>
-          <p:nvPr/>
-        </p:nvSpPr>
-        <p:spPr bwMode="auto">
-          <a:xfrm>
-            <a:off x="155575" y="-144463"/>
-            <a:ext cx="304800" cy="304801"/>
-          </a:xfrm>
-          <a:prstGeom prst="rect">
-            <a:avLst/>
-          </a:prstGeom>
-          <a:noFill/>
-        </p:spPr>
-        <p:txBody>
-          <a:bodyPr vert="horz" wrap="square" lIns="91440" tIns="45720" rIns="91440" bIns="45720" numCol="1" anchor="t" anchorCtr="0" compatLnSpc="1">
-            <a:prstTxWarp prst="textNoShape">
-              <a:avLst/>
-            </a:prstTxWarp>
-          </a:bodyPr>
-          <a:lstStyle/>
-          <a:p>
-            <a:endParaRPr lang="es-ES"/>
-          </a:p>
-        </p:txBody>
-      </p:sp>
-      <p:pic>
-        <p:nvPicPr>
-          <p:cNvPr id="1082" name="Picture 58" descr="BOTON DE MERCADO PAGO -"/>
-          <p:cNvPicPr>
-            <a:picLocks noChangeAspect="1" noChangeArrowheads="1"/>
-          </p:cNvPicPr>
-          <p:nvPr/>
-        </p:nvPicPr>
-        <p:blipFill>
-          <a:blip r:embed="rId11" cstate="print"/>
-          <a:srcRect/>
-          <a:stretch>
-            <a:fillRect/>
-          </a:stretch>
-        </p:blipFill>
-        <p:spPr bwMode="auto">
-          <a:xfrm>
-            <a:off x="6786578" y="3307555"/>
-            <a:ext cx="1928826" cy="578649"/>
-          </a:xfrm>
-          <a:prstGeom prst="rect">
-            <a:avLst/>
-          </a:prstGeom>
-          <a:noFill/>
-        </p:spPr>
-      </p:pic>
-      <p:sp>
-        <p:nvSpPr>
-          <p:cNvPr id="129" name="128 Rectángulo redondeado"/>
-          <p:cNvSpPr/>
-          <p:nvPr/>
-        </p:nvSpPr>
-        <p:spPr>
-          <a:xfrm>
-            <a:off x="6858016" y="3000372"/>
-            <a:ext cx="1857388" cy="214314"/>
-          </a:xfrm>
-          <a:prstGeom prst="roundRect">
-            <a:avLst/>
-          </a:prstGeom>
-          <a:ln/>
         </p:spPr>
         <p:style>
           <a:lnRef idx="1">
-            <a:schemeClr val="accent2"/>
+            <a:schemeClr val="accent1"/>
           </a:lnRef>
-          <a:fillRef idx="2">
-            <a:schemeClr val="accent2"/>
+          <a:fillRef idx="0">
+            <a:schemeClr val="accent1"/>
           </a:fillRef>
-          <a:effectRef idx="1">
-            <a:schemeClr val="accent2"/>
+          <a:effectRef idx="0">
+            <a:schemeClr val="accent1"/>
           </a:effectRef>
           <a:fontRef idx="minor">
-            <a:schemeClr val="dk1"/>
+            <a:schemeClr val="tx1"/>
           </a:fontRef>
         </p:style>
-        <p:txBody>
-          <a:bodyPr lIns="0" tIns="0" rIns="0" bIns="0" rtlCol="0" anchor="ctr"/>
-          <a:lstStyle/>
-          <a:p>
-            <a:pPr algn="ctr"/>
-            <a:r>
-              <a:rPr lang="es-ES" sz="1200" dirty="0" smtClean="0"/>
-              <a:t>Acordar con el </a:t>
-            </a:r>
-            <a:r>
-              <a:rPr lang="es-ES" sz="1200" dirty="0" err="1" smtClean="0"/>
-              <a:t>vendedorº</a:t>
-            </a:r>
-            <a:endParaRPr lang="es-ES" sz="1200" dirty="0"/>
-          </a:p>
-        </p:txBody>
-      </p:sp>
+      </p:cxnSp>
     </p:spTree>
   </p:cSld>
   <p:clrMapOvr>

--- a/PrototiposVista.pptx
+++ b/PrototiposVista.pptx
@@ -6,6 +6,9 @@
   </p:sldMasterIdLst>
   <p:sldIdLst>
     <p:sldId id="256" r:id="rId2"/>
+    <p:sldId id="259" r:id="rId3"/>
+    <p:sldId id="257" r:id="rId4"/>
+    <p:sldId id="258" r:id="rId5"/>
   </p:sldIdLst>
   <p:sldSz cx="9144000" cy="6858000" type="screen4x3"/>
   <p:notesSz cx="6858000" cy="9144000"/>
@@ -289,7 +292,7 @@
             <a:fld id="{84FD468D-F726-4E79-A02D-20B3D23DD963}" type="datetimeFigureOut">
               <a:rPr lang="es-ES" smtClean="0"/>
               <a:pPr/>
-              <a:t>07/06/2021</a:t>
+              <a:t>12/06/2021</a:t>
             </a:fld>
             <a:endParaRPr lang="es-ES"/>
           </a:p>
@@ -456,7 +459,7 @@
             <a:fld id="{84FD468D-F726-4E79-A02D-20B3D23DD963}" type="datetimeFigureOut">
               <a:rPr lang="es-ES" smtClean="0"/>
               <a:pPr/>
-              <a:t>07/06/2021</a:t>
+              <a:t>12/06/2021</a:t>
             </a:fld>
             <a:endParaRPr lang="es-ES"/>
           </a:p>
@@ -633,7 +636,7 @@
             <a:fld id="{84FD468D-F726-4E79-A02D-20B3D23DD963}" type="datetimeFigureOut">
               <a:rPr lang="es-ES" smtClean="0"/>
               <a:pPr/>
-              <a:t>07/06/2021</a:t>
+              <a:t>12/06/2021</a:t>
             </a:fld>
             <a:endParaRPr lang="es-ES"/>
           </a:p>
@@ -800,7 +803,7 @@
             <a:fld id="{84FD468D-F726-4E79-A02D-20B3D23DD963}" type="datetimeFigureOut">
               <a:rPr lang="es-ES" smtClean="0"/>
               <a:pPr/>
-              <a:t>07/06/2021</a:t>
+              <a:t>12/06/2021</a:t>
             </a:fld>
             <a:endParaRPr lang="es-ES"/>
           </a:p>
@@ -1043,7 +1046,7 @@
             <a:fld id="{84FD468D-F726-4E79-A02D-20B3D23DD963}" type="datetimeFigureOut">
               <a:rPr lang="es-ES" smtClean="0"/>
               <a:pPr/>
-              <a:t>07/06/2021</a:t>
+              <a:t>12/06/2021</a:t>
             </a:fld>
             <a:endParaRPr lang="es-ES"/>
           </a:p>
@@ -1328,7 +1331,7 @@
             <a:fld id="{84FD468D-F726-4E79-A02D-20B3D23DD963}" type="datetimeFigureOut">
               <a:rPr lang="es-ES" smtClean="0"/>
               <a:pPr/>
-              <a:t>07/06/2021</a:t>
+              <a:t>12/06/2021</a:t>
             </a:fld>
             <a:endParaRPr lang="es-ES"/>
           </a:p>
@@ -1747,7 +1750,7 @@
             <a:fld id="{84FD468D-F726-4E79-A02D-20B3D23DD963}" type="datetimeFigureOut">
               <a:rPr lang="es-ES" smtClean="0"/>
               <a:pPr/>
-              <a:t>07/06/2021</a:t>
+              <a:t>12/06/2021</a:t>
             </a:fld>
             <a:endParaRPr lang="es-ES"/>
           </a:p>
@@ -1862,7 +1865,7 @@
             <a:fld id="{84FD468D-F726-4E79-A02D-20B3D23DD963}" type="datetimeFigureOut">
               <a:rPr lang="es-ES" smtClean="0"/>
               <a:pPr/>
-              <a:t>07/06/2021</a:t>
+              <a:t>12/06/2021</a:t>
             </a:fld>
             <a:endParaRPr lang="es-ES"/>
           </a:p>
@@ -1954,7 +1957,7 @@
             <a:fld id="{84FD468D-F726-4E79-A02D-20B3D23DD963}" type="datetimeFigureOut">
               <a:rPr lang="es-ES" smtClean="0"/>
               <a:pPr/>
-              <a:t>07/06/2021</a:t>
+              <a:t>12/06/2021</a:t>
             </a:fld>
             <a:endParaRPr lang="es-ES"/>
           </a:p>
@@ -2228,7 +2231,7 @@
             <a:fld id="{84FD468D-F726-4E79-A02D-20B3D23DD963}" type="datetimeFigureOut">
               <a:rPr lang="es-ES" smtClean="0"/>
               <a:pPr/>
-              <a:t>07/06/2021</a:t>
+              <a:t>12/06/2021</a:t>
             </a:fld>
             <a:endParaRPr lang="es-ES"/>
           </a:p>
@@ -2478,7 +2481,7 @@
             <a:fld id="{84FD468D-F726-4E79-A02D-20B3D23DD963}" type="datetimeFigureOut">
               <a:rPr lang="es-ES" smtClean="0"/>
               <a:pPr/>
-              <a:t>07/06/2021</a:t>
+              <a:t>12/06/2021</a:t>
             </a:fld>
             <a:endParaRPr lang="es-ES"/>
           </a:p>
@@ -2688,7 +2691,7 @@
             <a:fld id="{84FD468D-F726-4E79-A02D-20B3D23DD963}" type="datetimeFigureOut">
               <a:rPr lang="es-ES" smtClean="0"/>
               <a:pPr/>
-              <a:t>07/06/2021</a:t>
+              <a:t>12/06/2021</a:t>
             </a:fld>
             <a:endParaRPr lang="es-ES"/>
           </a:p>
@@ -3067,7 +3070,7 @@
         </p:nvSpPr>
         <p:spPr>
           <a:xfrm>
-            <a:off x="214282" y="142852"/>
+            <a:off x="130113" y="930233"/>
             <a:ext cx="2357454" cy="4071966"/>
           </a:xfrm>
           <a:prstGeom prst="roundRect">
@@ -3105,7 +3108,7 @@
         </p:nvSpPr>
         <p:spPr>
           <a:xfrm>
-            <a:off x="214282" y="428604"/>
+            <a:off x="130113" y="1215985"/>
             <a:ext cx="2357454" cy="500066"/>
           </a:xfrm>
           <a:prstGeom prst="rect">
@@ -3165,7 +3168,7 @@
         </p:blipFill>
         <p:spPr bwMode="auto">
           <a:xfrm>
-            <a:off x="285720" y="500042"/>
+            <a:off x="201551" y="1287423"/>
             <a:ext cx="357190" cy="357190"/>
           </a:xfrm>
           <a:prstGeom prst="rect">
@@ -3184,7 +3187,7 @@
         </p:nvSpPr>
         <p:spPr bwMode="auto">
           <a:xfrm>
-            <a:off x="155575" y="-144463"/>
+            <a:off x="71406" y="642918"/>
             <a:ext cx="304800" cy="304801"/>
           </a:xfrm>
           <a:prstGeom prst="rect">
@@ -3214,7 +3217,7 @@
         </p:nvSpPr>
         <p:spPr bwMode="auto">
           <a:xfrm>
-            <a:off x="155575" y="-144463"/>
+            <a:off x="71406" y="642918"/>
             <a:ext cx="304800" cy="304801"/>
           </a:xfrm>
           <a:prstGeom prst="rect">
@@ -3251,7 +3254,7 @@
         </p:blipFill>
         <p:spPr bwMode="auto">
           <a:xfrm>
-            <a:off x="285720" y="1000108"/>
+            <a:off x="201551" y="1787489"/>
             <a:ext cx="214314" cy="214314"/>
           </a:xfrm>
           <a:prstGeom prst="rect">
@@ -3270,7 +3273,7 @@
         </p:nvSpPr>
         <p:spPr bwMode="auto">
           <a:xfrm>
-            <a:off x="155575" y="-144463"/>
+            <a:off x="71406" y="642918"/>
             <a:ext cx="304800" cy="304801"/>
           </a:xfrm>
           <a:prstGeom prst="rect">
@@ -3300,7 +3303,7 @@
         </p:nvSpPr>
         <p:spPr bwMode="auto">
           <a:xfrm>
-            <a:off x="155575" y="-144463"/>
+            <a:off x="71406" y="642918"/>
             <a:ext cx="304800" cy="304801"/>
           </a:xfrm>
           <a:prstGeom prst="rect">
@@ -3330,7 +3333,7 @@
         </p:nvSpPr>
         <p:spPr bwMode="auto">
           <a:xfrm>
-            <a:off x="155575" y="-144463"/>
+            <a:off x="71406" y="642918"/>
             <a:ext cx="304800" cy="304801"/>
           </a:xfrm>
           <a:prstGeom prst="rect">
@@ -3360,7 +3363,7 @@
         </p:nvSpPr>
         <p:spPr bwMode="auto">
           <a:xfrm>
-            <a:off x="155575" y="-144463"/>
+            <a:off x="71406" y="642918"/>
             <a:ext cx="304800" cy="304801"/>
           </a:xfrm>
           <a:prstGeom prst="rect">
@@ -3397,7 +3400,7 @@
         </p:blipFill>
         <p:spPr bwMode="auto">
           <a:xfrm>
-            <a:off x="1214415" y="1000109"/>
+            <a:off x="1130246" y="1787490"/>
             <a:ext cx="214314" cy="214314"/>
           </a:xfrm>
           <a:prstGeom prst="rect">
@@ -3423,7 +3426,7 @@
         </p:blipFill>
         <p:spPr bwMode="auto">
           <a:xfrm>
-            <a:off x="2214546" y="928670"/>
+            <a:off x="2130377" y="1716051"/>
             <a:ext cx="285752" cy="285752"/>
           </a:xfrm>
           <a:prstGeom prst="rect">
@@ -3442,7 +3445,7 @@
         </p:nvSpPr>
         <p:spPr bwMode="auto">
           <a:xfrm>
-            <a:off x="155575" y="-144463"/>
+            <a:off x="71406" y="642918"/>
             <a:ext cx="304800" cy="304801"/>
           </a:xfrm>
           <a:prstGeom prst="rect">
@@ -3472,7 +3475,7 @@
         </p:nvSpPr>
         <p:spPr bwMode="auto">
           <a:xfrm>
-            <a:off x="155575" y="-144463"/>
+            <a:off x="71406" y="642918"/>
             <a:ext cx="304800" cy="304801"/>
           </a:xfrm>
           <a:prstGeom prst="rect">
@@ -3502,7 +3505,7 @@
         </p:nvSpPr>
         <p:spPr bwMode="auto">
           <a:xfrm>
-            <a:off x="155575" y="-144463"/>
+            <a:off x="71406" y="642918"/>
             <a:ext cx="304800" cy="304801"/>
           </a:xfrm>
           <a:prstGeom prst="rect">
@@ -3532,7 +3535,7 @@
         </p:nvSpPr>
         <p:spPr bwMode="auto">
           <a:xfrm>
-            <a:off x="155575" y="-144463"/>
+            <a:off x="71406" y="642918"/>
             <a:ext cx="304800" cy="304801"/>
           </a:xfrm>
           <a:prstGeom prst="rect">
@@ -3569,7 +3572,7 @@
         </p:blipFill>
         <p:spPr bwMode="auto">
           <a:xfrm>
-            <a:off x="285720" y="1357298"/>
+            <a:off x="201551" y="2144679"/>
             <a:ext cx="929014" cy="714380"/>
           </a:xfrm>
           <a:prstGeom prst="rect">
@@ -3586,7 +3589,7 @@
         </p:nvSpPr>
         <p:spPr>
           <a:xfrm>
-            <a:off x="1142976" y="1285860"/>
+            <a:off x="1058807" y="2073241"/>
             <a:ext cx="1357322" cy="642942"/>
           </a:xfrm>
           <a:prstGeom prst="rect">
@@ -3626,7 +3629,7 @@
             <a:r>
               <a:rPr lang="es-ES" b="1" dirty="0" smtClean="0">
                 <a:solidFill>
-                  <a:srgbClr val="00B0F0"/>
+                  <a:srgbClr val="FF0000"/>
                 </a:solidFill>
               </a:rPr>
               <a:t>+</a:t>
@@ -3649,7 +3652,7 @@
         </p:nvCxnSpPr>
         <p:spPr>
           <a:xfrm>
-            <a:off x="285720" y="1928802"/>
+            <a:off x="201551" y="2716183"/>
             <a:ext cx="2214578" cy="1588"/>
           </a:xfrm>
           <a:prstGeom prst="line">
@@ -3679,7 +3682,7 @@
         </p:nvSpPr>
         <p:spPr>
           <a:xfrm>
-            <a:off x="1928794" y="1714488"/>
+            <a:off x="1844625" y="2501869"/>
             <a:ext cx="557210" cy="142876"/>
           </a:xfrm>
           <a:prstGeom prst="roundRect">
@@ -3722,7 +3725,7 @@
         </p:nvGrpSpPr>
         <p:grpSpPr>
           <a:xfrm>
-            <a:off x="285720" y="2000240"/>
+            <a:off x="201551" y="2787621"/>
             <a:ext cx="2214578" cy="644530"/>
             <a:chOff x="4143372" y="2928934"/>
             <a:chExt cx="2214578" cy="644530"/>
@@ -3779,25 +3782,16 @@
               </a:r>
               <a:r>
                 <a:rPr lang="es-ES" b="1" dirty="0" smtClean="0"/>
-                <a:t> </a:t>
-              </a:r>
-              <a:r>
-                <a:rPr lang="es-ES" b="1" dirty="0" smtClean="0"/>
-                <a:t> </a:t>
+                <a:t>  </a:t>
               </a:r>
               <a:r>
                 <a:rPr lang="es-ES" b="1" dirty="0" smtClean="0">
                   <a:solidFill>
-                    <a:srgbClr val="00B0F0"/>
+                    <a:srgbClr val="FF0000"/>
                   </a:solidFill>
                 </a:rPr>
                 <a:t>+</a:t>
               </a:r>
-              <a:endParaRPr lang="es-ES" b="1" dirty="0" smtClean="0">
-                <a:solidFill>
-                  <a:srgbClr val="00B0F0"/>
-                </a:solidFill>
-              </a:endParaRPr>
             </a:p>
             <a:p>
               <a:r>
@@ -3918,7 +3912,7 @@
         </p:nvSpPr>
         <p:spPr bwMode="auto">
           <a:xfrm>
-            <a:off x="155575" y="-144463"/>
+            <a:off x="71406" y="642918"/>
             <a:ext cx="304800" cy="304801"/>
           </a:xfrm>
           <a:prstGeom prst="rect">
@@ -3948,7 +3942,7 @@
         </p:nvSpPr>
         <p:spPr bwMode="auto">
           <a:xfrm>
-            <a:off x="155575" y="-144463"/>
+            <a:off x="71406" y="642918"/>
             <a:ext cx="304800" cy="304801"/>
           </a:xfrm>
           <a:prstGeom prst="rect">
@@ -3978,7 +3972,7 @@
         </p:nvSpPr>
         <p:spPr bwMode="auto">
           <a:xfrm>
-            <a:off x="155575" y="-144463"/>
+            <a:off x="71406" y="642918"/>
             <a:ext cx="304800" cy="304801"/>
           </a:xfrm>
           <a:prstGeom prst="rect">
@@ -4008,7 +4002,7 @@
         </p:nvSpPr>
         <p:spPr bwMode="auto">
           <a:xfrm>
-            <a:off x="155575" y="-144463"/>
+            <a:off x="71406" y="642918"/>
             <a:ext cx="304800" cy="304801"/>
           </a:xfrm>
           <a:prstGeom prst="rect">
@@ -4038,7 +4032,7 @@
         </p:nvSpPr>
         <p:spPr bwMode="auto">
           <a:xfrm>
-            <a:off x="155575" y="-144463"/>
+            <a:off x="71406" y="642918"/>
             <a:ext cx="304800" cy="304801"/>
           </a:xfrm>
           <a:prstGeom prst="rect">
@@ -4066,7 +4060,7 @@
         </p:nvGrpSpPr>
         <p:grpSpPr>
           <a:xfrm>
-            <a:off x="285720" y="2643182"/>
+            <a:off x="201551" y="3430563"/>
             <a:ext cx="2214578" cy="644530"/>
             <a:chOff x="4143372" y="3643314"/>
             <a:chExt cx="2286016" cy="644530"/>
@@ -4119,11 +4113,7 @@
               </a:r>
               <a:r>
                 <a:rPr lang="es-ES" sz="1200" dirty="0" smtClean="0"/>
-                <a:t> </a:t>
-              </a:r>
-              <a:r>
-                <a:rPr lang="es-ES" sz="1200" dirty="0" smtClean="0"/>
-                <a:t>    </a:t>
+                <a:t>     </a:t>
               </a:r>
               <a:r>
                 <a:rPr lang="es-ES" b="1" dirty="0" smtClean="0"/>
@@ -4132,7 +4122,7 @@
               <a:r>
                 <a:rPr lang="es-ES" b="1" dirty="0" smtClean="0">
                   <a:solidFill>
-                    <a:srgbClr val="00B0F0"/>
+                    <a:srgbClr val="FF0000"/>
                   </a:solidFill>
                 </a:rPr>
                 <a:t>+</a:t>
@@ -4255,7 +4245,7 @@
         </p:nvSpPr>
         <p:spPr>
           <a:xfrm>
-            <a:off x="2857488" y="142852"/>
+            <a:off x="2773319" y="930233"/>
             <a:ext cx="2357454" cy="4071966"/>
           </a:xfrm>
           <a:prstGeom prst="roundRect">
@@ -4293,7 +4283,7 @@
         </p:nvSpPr>
         <p:spPr>
           <a:xfrm>
-            <a:off x="2857488" y="428604"/>
+            <a:off x="2773319" y="1215985"/>
             <a:ext cx="2357454" cy="500066"/>
           </a:xfrm>
           <a:prstGeom prst="rect">
@@ -4353,7 +4343,7 @@
         </p:blipFill>
         <p:spPr bwMode="auto">
           <a:xfrm>
-            <a:off x="2928926" y="500042"/>
+            <a:off x="2844757" y="1287423"/>
             <a:ext cx="357190" cy="357190"/>
           </a:xfrm>
           <a:prstGeom prst="rect">
@@ -4379,7 +4369,7 @@
         </p:blipFill>
         <p:spPr bwMode="auto">
           <a:xfrm>
-            <a:off x="2928926" y="1000108"/>
+            <a:off x="2844757" y="1787489"/>
             <a:ext cx="214314" cy="214314"/>
           </a:xfrm>
           <a:prstGeom prst="rect">
@@ -4405,7 +4395,7 @@
         </p:blipFill>
         <p:spPr bwMode="auto">
           <a:xfrm>
-            <a:off x="3857621" y="1000109"/>
+            <a:off x="3773452" y="1787490"/>
             <a:ext cx="214314" cy="214314"/>
           </a:xfrm>
           <a:prstGeom prst="rect">
@@ -4431,7 +4421,7 @@
         </p:blipFill>
         <p:spPr bwMode="auto">
           <a:xfrm>
-            <a:off x="4857752" y="1000108"/>
+            <a:off x="4773583" y="1787489"/>
             <a:ext cx="285752" cy="285752"/>
           </a:xfrm>
           <a:prstGeom prst="rect">
@@ -4448,7 +4438,7 @@
         </p:nvGrpSpPr>
         <p:grpSpPr>
           <a:xfrm>
-            <a:off x="2928926" y="2000240"/>
+            <a:off x="2844757" y="2787621"/>
             <a:ext cx="2214578" cy="644530"/>
             <a:chOff x="4143372" y="2928934"/>
             <a:chExt cx="2214578" cy="644530"/>
@@ -4510,7 +4500,7 @@
               <a:r>
                 <a:rPr lang="es-ES" b="1" dirty="0" smtClean="0">
                   <a:solidFill>
-                    <a:srgbClr val="00B0F0"/>
+                    <a:srgbClr val="FF0000"/>
                   </a:solidFill>
                 </a:rPr>
                 <a:t>+</a:t>
@@ -4633,7 +4623,7 @@
         </p:nvGrpSpPr>
         <p:grpSpPr>
           <a:xfrm>
-            <a:off x="2928926" y="2643182"/>
+            <a:off x="2844757" y="3430563"/>
             <a:ext cx="2214578" cy="644530"/>
             <a:chOff x="4143372" y="3643314"/>
             <a:chExt cx="2286016" cy="644530"/>
@@ -4695,7 +4685,7 @@
               <a:r>
                 <a:rPr lang="es-ES" b="1" dirty="0" smtClean="0">
                   <a:solidFill>
-                    <a:srgbClr val="00B0F0"/>
+                    <a:srgbClr val="FF0000"/>
                   </a:solidFill>
                 </a:rPr>
                 <a:t>+</a:t>
@@ -4818,7 +4808,7 @@
         </p:nvGrpSpPr>
         <p:grpSpPr>
           <a:xfrm>
-            <a:off x="2928926" y="1285860"/>
+            <a:off x="2844757" y="2073241"/>
             <a:ext cx="2214578" cy="785818"/>
             <a:chOff x="1214414" y="2000240"/>
             <a:chExt cx="2214578" cy="785818"/>
@@ -5015,7 +5005,7 @@
         </p:nvSpPr>
         <p:spPr bwMode="auto">
           <a:xfrm>
-            <a:off x="155575" y="-144463"/>
+            <a:off x="71406" y="642918"/>
             <a:ext cx="304800" cy="304801"/>
           </a:xfrm>
           <a:prstGeom prst="rect">
@@ -5045,7 +5035,7 @@
         </p:nvSpPr>
         <p:spPr bwMode="auto">
           <a:xfrm>
-            <a:off x="155575" y="-144463"/>
+            <a:off x="71406" y="642918"/>
             <a:ext cx="304800" cy="304801"/>
           </a:xfrm>
           <a:prstGeom prst="rect">
@@ -5082,7 +5072,7 @@
         </p:blipFill>
         <p:spPr bwMode="auto">
           <a:xfrm>
-            <a:off x="4929189" y="928670"/>
+            <a:off x="4845020" y="1716051"/>
             <a:ext cx="142877" cy="142877"/>
           </a:xfrm>
           <a:prstGeom prst="rect">
@@ -5101,7 +5091,7 @@
         </p:nvSpPr>
         <p:spPr bwMode="auto">
           <a:xfrm>
-            <a:off x="155575" y="-144463"/>
+            <a:off x="71406" y="642918"/>
             <a:ext cx="304800" cy="304801"/>
           </a:xfrm>
           <a:prstGeom prst="rect">
@@ -5131,7 +5121,7 @@
         </p:nvSpPr>
         <p:spPr bwMode="auto">
           <a:xfrm>
-            <a:off x="155575" y="-144463"/>
+            <a:off x="71406" y="642918"/>
             <a:ext cx="304800" cy="304801"/>
           </a:xfrm>
           <a:prstGeom prst="rect">
@@ -5159,7 +5149,7 @@
         </p:nvSpPr>
         <p:spPr>
           <a:xfrm>
-            <a:off x="6215106" y="71438"/>
+            <a:off x="6130937" y="858819"/>
             <a:ext cx="2857488" cy="4429132"/>
           </a:xfrm>
           <a:prstGeom prst="wedgeRoundRectCallout">
@@ -5204,7 +5194,7 @@
         </p:nvSpPr>
         <p:spPr>
           <a:xfrm>
-            <a:off x="6500858" y="214290"/>
+            <a:off x="6416689" y="1001671"/>
             <a:ext cx="2357454" cy="4071966"/>
           </a:xfrm>
           <a:prstGeom prst="roundRect">
@@ -5242,7 +5232,7 @@
         </p:nvSpPr>
         <p:spPr>
           <a:xfrm>
-            <a:off x="6500858" y="500042"/>
+            <a:off x="6416689" y="1287423"/>
             <a:ext cx="2357454" cy="500066"/>
           </a:xfrm>
           <a:prstGeom prst="rect">
@@ -5302,7 +5292,7 @@
         </p:blipFill>
         <p:spPr bwMode="auto">
           <a:xfrm>
-            <a:off x="6572296" y="571480"/>
+            <a:off x="6488127" y="1358861"/>
             <a:ext cx="357190" cy="357190"/>
           </a:xfrm>
           <a:prstGeom prst="rect">
@@ -5328,7 +5318,7 @@
         </p:blipFill>
         <p:spPr bwMode="auto">
           <a:xfrm>
-            <a:off x="8501122" y="1071546"/>
+            <a:off x="8416953" y="1858927"/>
             <a:ext cx="285752" cy="285752"/>
           </a:xfrm>
           <a:prstGeom prst="rect">
@@ -5345,7 +5335,7 @@
         </p:nvGrpSpPr>
         <p:grpSpPr>
           <a:xfrm>
-            <a:off x="6643734" y="1357298"/>
+            <a:off x="6559565" y="2144679"/>
             <a:ext cx="2214578" cy="287340"/>
             <a:chOff x="1285852" y="2000240"/>
             <a:chExt cx="2214578" cy="287340"/>
@@ -5456,7 +5446,7 @@
         </p:blipFill>
         <p:spPr bwMode="auto">
           <a:xfrm>
-            <a:off x="8572559" y="1000108"/>
+            <a:off x="8488390" y="1787489"/>
             <a:ext cx="142877" cy="142877"/>
           </a:xfrm>
           <a:prstGeom prst="rect">
@@ -5473,7 +5463,7 @@
         </p:nvSpPr>
         <p:spPr>
           <a:xfrm>
-            <a:off x="6572296" y="1000108"/>
+            <a:off x="6488127" y="1787489"/>
             <a:ext cx="1397306" cy="276999"/>
           </a:xfrm>
           <a:prstGeom prst="rect">
@@ -5503,7 +5493,7 @@
         </p:nvSpPr>
         <p:spPr>
           <a:xfrm>
-            <a:off x="7358114" y="1714488"/>
+            <a:off x="7273945" y="2501869"/>
             <a:ext cx="1428760" cy="214314"/>
           </a:xfrm>
           <a:prstGeom prst="rect">
@@ -5557,7 +5547,7 @@
         </p:blipFill>
         <p:spPr bwMode="auto">
           <a:xfrm>
-            <a:off x="6715172" y="3378993"/>
+            <a:off x="6631003" y="4166374"/>
             <a:ext cx="1928826" cy="578649"/>
           </a:xfrm>
           <a:prstGeom prst="rect">
@@ -5574,7 +5564,7 @@
         </p:nvSpPr>
         <p:spPr>
           <a:xfrm>
-            <a:off x="6786610" y="3071810"/>
+            <a:off x="6702441" y="3859191"/>
             <a:ext cx="1857388" cy="214314"/>
           </a:xfrm>
           <a:prstGeom prst="roundRect">
@@ -5603,11 +5593,7 @@
             <a:pPr algn="ctr"/>
             <a:r>
               <a:rPr lang="es-ES" sz="1200" dirty="0" smtClean="0"/>
-              <a:t>Acordar con el </a:t>
-            </a:r>
-            <a:r>
-              <a:rPr lang="es-ES" sz="1200" dirty="0" smtClean="0"/>
-              <a:t>vendedor</a:t>
+              <a:t>Acordar con el vendedor</a:t>
             </a:r>
             <a:endParaRPr lang="es-ES" sz="1200" dirty="0"/>
           </a:p>
@@ -5618,13 +5604,12 @@
           <p:cNvPr id="107" name="106 Conector recto"/>
           <p:cNvCxnSpPr>
             <a:stCxn id="89" idx="4"/>
-            <a:endCxn id="67" idx="3"/>
           </p:cNvCxnSpPr>
           <p:nvPr/>
         </p:nvCxnSpPr>
         <p:spPr>
           <a:xfrm rot="5400000">
-            <a:off x="5065551" y="1450726"/>
+            <a:off x="4981382" y="2238107"/>
             <a:ext cx="398859" cy="271540"/>
           </a:xfrm>
           <a:prstGeom prst="line">
@@ -5658,7 +5643,7 @@
         </p:nvCxnSpPr>
         <p:spPr>
           <a:xfrm rot="5400000" flipH="1">
-            <a:off x="5150085" y="1136403"/>
+            <a:off x="5065916" y="1923784"/>
             <a:ext cx="244083" cy="257246"/>
           </a:xfrm>
           <a:prstGeom prst="line">
@@ -5691,7 +5676,7 @@
         </p:nvCxnSpPr>
         <p:spPr>
           <a:xfrm rot="16200000" flipH="1">
-            <a:off x="767926" y="839372"/>
+            <a:off x="683757" y="1626753"/>
             <a:ext cx="1588" cy="750099"/>
           </a:xfrm>
           <a:prstGeom prst="line">
@@ -5723,7 +5708,7 @@
         </p:nvCxnSpPr>
         <p:spPr>
           <a:xfrm rot="16200000" flipH="1">
-            <a:off x="3411132" y="839372"/>
+            <a:off x="3326963" y="1626753"/>
             <a:ext cx="1588" cy="750099"/>
           </a:xfrm>
           <a:prstGeom prst="line">
@@ -5745,6 +5730,1880 @@
           </a:fontRef>
         </p:style>
       </p:cxnSp>
+      <p:sp>
+        <p:nvSpPr>
+          <p:cNvPr id="3" name="AutoShape 4" descr="Carro de compras png png imágenes | PNGWing"/>
+          <p:cNvSpPr>
+            <a:spLocks noChangeAspect="1" noChangeArrowheads="1"/>
+          </p:cNvSpPr>
+          <p:nvPr/>
+        </p:nvSpPr>
+        <p:spPr bwMode="auto">
+          <a:xfrm>
+            <a:off x="71406" y="642918"/>
+            <a:ext cx="304800" cy="304801"/>
+          </a:xfrm>
+          <a:prstGeom prst="rect">
+            <a:avLst/>
+          </a:prstGeom>
+          <a:noFill/>
+        </p:spPr>
+        <p:txBody>
+          <a:bodyPr vert="horz" wrap="square" lIns="91440" tIns="45720" rIns="91440" bIns="45720" numCol="1" anchor="t" anchorCtr="0" compatLnSpc="1">
+            <a:prstTxWarp prst="textNoShape">
+              <a:avLst/>
+            </a:prstTxWarp>
+          </a:bodyPr>
+          <a:lstStyle/>
+          <a:p>
+            <a:endParaRPr lang="es-ES"/>
+          </a:p>
+        </p:txBody>
+      </p:sp>
+      <p:sp>
+        <p:nvSpPr>
+          <p:cNvPr id="93" name="92 CuadroTexto"/>
+          <p:cNvSpPr txBox="1"/>
+          <p:nvPr/>
+        </p:nvSpPr>
+        <p:spPr>
+          <a:xfrm>
+            <a:off x="71406" y="285728"/>
+            <a:ext cx="3999941" cy="369332"/>
+          </a:xfrm>
+          <a:prstGeom prst="rect">
+            <a:avLst/>
+          </a:prstGeom>
+          <a:noFill/>
+        </p:spPr>
+        <p:txBody>
+          <a:bodyPr wrap="none" rtlCol="0">
+            <a:spAutoFit/>
+          </a:bodyPr>
+          <a:lstStyle/>
+          <a:p>
+            <a:r>
+              <a:rPr lang="es-ES" dirty="0" smtClean="0"/>
+              <a:t>Prototipo de vistas de la aplicación móvil</a:t>
+            </a:r>
+            <a:endParaRPr lang="es-ES" dirty="0"/>
+          </a:p>
+        </p:txBody>
+      </p:sp>
+    </p:spTree>
+  </p:cSld>
+  <p:clrMapOvr>
+    <a:masterClrMapping/>
+  </p:clrMapOvr>
+</p:sld>
+</file>
+
+<file path=ppt/slides/slide2.xml><?xml version="1.0" encoding="utf-8"?>
+<p:sld xmlns:a="http://schemas.openxmlformats.org/drawingml/2006/main" xmlns:r="http://schemas.openxmlformats.org/officeDocument/2006/relationships" xmlns:p="http://schemas.openxmlformats.org/presentationml/2006/main">
+  <p:cSld>
+    <p:spTree>
+      <p:nvGrpSpPr>
+        <p:cNvPr id="1" name=""/>
+        <p:cNvGrpSpPr/>
+        <p:nvPr/>
+      </p:nvGrpSpPr>
+      <p:grpSpPr>
+        <a:xfrm>
+          <a:off x="0" y="0"/>
+          <a:ext cx="0" cy="0"/>
+          <a:chOff x="0" y="0"/>
+          <a:chExt cx="0" cy="0"/>
+        </a:xfrm>
+      </p:grpSpPr>
+      <p:sp>
+        <p:nvSpPr>
+          <p:cNvPr id="4" name="3 Rectángulo redondeado"/>
+          <p:cNvSpPr/>
+          <p:nvPr/>
+        </p:nvSpPr>
+        <p:spPr>
+          <a:xfrm>
+            <a:off x="2773319" y="930233"/>
+            <a:ext cx="2357454" cy="4071966"/>
+          </a:xfrm>
+          <a:prstGeom prst="roundRect">
+            <a:avLst/>
+          </a:prstGeom>
+        </p:spPr>
+        <p:style>
+          <a:lnRef idx="2">
+            <a:schemeClr val="dk1"/>
+          </a:lnRef>
+          <a:fillRef idx="1">
+            <a:schemeClr val="lt1"/>
+          </a:fillRef>
+          <a:effectRef idx="0">
+            <a:schemeClr val="dk1"/>
+          </a:effectRef>
+          <a:fontRef idx="minor">
+            <a:schemeClr val="dk1"/>
+          </a:fontRef>
+        </p:style>
+        <p:txBody>
+          <a:bodyPr rtlCol="0" anchor="ctr"/>
+          <a:lstStyle/>
+          <a:p>
+            <a:pPr algn="ctr"/>
+            <a:endParaRPr lang="es-ES"/>
+          </a:p>
+        </p:txBody>
+      </p:sp>
+      <p:sp>
+        <p:nvSpPr>
+          <p:cNvPr id="5" name="4 Rectángulo redondeado"/>
+          <p:cNvSpPr/>
+          <p:nvPr/>
+        </p:nvSpPr>
+        <p:spPr>
+          <a:xfrm>
+            <a:off x="2857488" y="1214422"/>
+            <a:ext cx="2214578" cy="428628"/>
+          </a:xfrm>
+          <a:prstGeom prst="roundRect">
+            <a:avLst/>
+          </a:prstGeom>
+          <a:ln w="12700"/>
+        </p:spPr>
+        <p:style>
+          <a:lnRef idx="2">
+            <a:schemeClr val="dk1"/>
+          </a:lnRef>
+          <a:fillRef idx="1">
+            <a:schemeClr val="lt1"/>
+          </a:fillRef>
+          <a:effectRef idx="0">
+            <a:schemeClr val="dk1"/>
+          </a:effectRef>
+          <a:fontRef idx="minor">
+            <a:schemeClr val="dk1"/>
+          </a:fontRef>
+        </p:style>
+        <p:txBody>
+          <a:bodyPr rtlCol="0" anchor="ctr"/>
+          <a:lstStyle/>
+          <a:p>
+            <a:pPr algn="ctr"/>
+            <a:r>
+              <a:rPr lang="es-ES" dirty="0" smtClean="0"/>
+              <a:t>Ensalada mixta</a:t>
+            </a:r>
+            <a:endParaRPr lang="es-ES" dirty="0"/>
+          </a:p>
+        </p:txBody>
+      </p:sp>
+      <p:pic>
+        <p:nvPicPr>
+          <p:cNvPr id="6" name="Picture 6"/>
+          <p:cNvPicPr>
+            <a:picLocks noChangeAspect="1" noChangeArrowheads="1"/>
+          </p:cNvPicPr>
+          <p:nvPr/>
+        </p:nvPicPr>
+        <p:blipFill>
+          <a:blip r:embed="rId2"/>
+          <a:srcRect/>
+          <a:stretch>
+            <a:fillRect/>
+          </a:stretch>
+        </p:blipFill>
+        <p:spPr bwMode="auto">
+          <a:xfrm>
+            <a:off x="2857489" y="3939921"/>
+            <a:ext cx="2214578" cy="203459"/>
+          </a:xfrm>
+          <a:prstGeom prst="rect">
+            <a:avLst/>
+          </a:prstGeom>
+          <a:noFill/>
+          <a:ln w="9525">
+            <a:noFill/>
+            <a:miter lim="800000"/>
+            <a:headEnd/>
+            <a:tailEnd/>
+          </a:ln>
+          <a:effectLst/>
+        </p:spPr>
+      </p:pic>
+      <p:sp>
+        <p:nvSpPr>
+          <p:cNvPr id="7" name="6 Rectángulo redondeado"/>
+          <p:cNvSpPr/>
+          <p:nvPr/>
+        </p:nvSpPr>
+        <p:spPr>
+          <a:xfrm>
+            <a:off x="4357686" y="3559734"/>
+            <a:ext cx="682673" cy="214314"/>
+          </a:xfrm>
+          <a:prstGeom prst="roundRect">
+            <a:avLst/>
+          </a:prstGeom>
+          <a:ln w="6350"/>
+        </p:spPr>
+        <p:style>
+          <a:lnRef idx="1">
+            <a:schemeClr val="dk1"/>
+          </a:lnRef>
+          <a:fillRef idx="2">
+            <a:schemeClr val="dk1"/>
+          </a:fillRef>
+          <a:effectRef idx="1">
+            <a:schemeClr val="dk1"/>
+          </a:effectRef>
+          <a:fontRef idx="minor">
+            <a:schemeClr val="dk1"/>
+          </a:fontRef>
+        </p:style>
+        <p:txBody>
+          <a:bodyPr lIns="0" tIns="0" rIns="0" bIns="0" rtlCol="0" anchor="ctr"/>
+          <a:lstStyle/>
+          <a:p>
+            <a:pPr algn="ctr"/>
+            <a:r>
+              <a:rPr lang="es-ES" sz="1000" dirty="0" smtClean="0"/>
+              <a:t>Comprar</a:t>
+            </a:r>
+            <a:endParaRPr lang="es-ES" sz="1000" dirty="0"/>
+          </a:p>
+        </p:txBody>
+      </p:sp>
+      <p:sp>
+        <p:nvSpPr>
+          <p:cNvPr id="8" name="7 CuadroTexto"/>
+          <p:cNvSpPr txBox="1"/>
+          <p:nvPr/>
+        </p:nvSpPr>
+        <p:spPr>
+          <a:xfrm>
+            <a:off x="2857488" y="3488296"/>
+            <a:ext cx="920445" cy="369332"/>
+          </a:xfrm>
+          <a:prstGeom prst="rect">
+            <a:avLst/>
+          </a:prstGeom>
+          <a:noFill/>
+        </p:spPr>
+        <p:txBody>
+          <a:bodyPr wrap="none" rtlCol="0">
+            <a:spAutoFit/>
+          </a:bodyPr>
+          <a:lstStyle/>
+          <a:p>
+            <a:r>
+              <a:rPr lang="es-ES" dirty="0" smtClean="0"/>
+              <a:t>$ 450.</a:t>
+            </a:r>
+            <a:r>
+              <a:rPr lang="es-ES" baseline="30000" dirty="0" smtClean="0"/>
+              <a:t>00</a:t>
+            </a:r>
+            <a:endParaRPr lang="es-ES" baseline="30000" dirty="0"/>
+          </a:p>
+        </p:txBody>
+      </p:sp>
+      <p:pic>
+        <p:nvPicPr>
+          <p:cNvPr id="9" name="Picture 2" descr="E:\TecnicaturaUniversitariaEnDesarrolloDeSoftware\2ºaño-1ºcuatrimestre\TUDS-B Programación Web ll\MenuParaRestaurant\Ensaladas.png"/>
+          <p:cNvPicPr>
+            <a:picLocks noChangeAspect="1" noChangeArrowheads="1"/>
+          </p:cNvPicPr>
+          <p:nvPr/>
+        </p:nvPicPr>
+        <p:blipFill>
+          <a:blip r:embed="rId3" cstate="print"/>
+          <a:srcRect/>
+          <a:stretch>
+            <a:fillRect/>
+          </a:stretch>
+        </p:blipFill>
+        <p:spPr bwMode="auto">
+          <a:xfrm>
+            <a:off x="2857488" y="1714488"/>
+            <a:ext cx="2214578" cy="1660538"/>
+          </a:xfrm>
+          <a:prstGeom prst="rect">
+            <a:avLst/>
+          </a:prstGeom>
+          <a:noFill/>
+        </p:spPr>
+      </p:pic>
+      <p:pic>
+        <p:nvPicPr>
+          <p:cNvPr id="10" name="Picture 8"/>
+          <p:cNvPicPr>
+            <a:picLocks noChangeAspect="1" noChangeArrowheads="1"/>
+          </p:cNvPicPr>
+          <p:nvPr/>
+        </p:nvPicPr>
+        <p:blipFill>
+          <a:blip r:embed="rId4"/>
+          <a:srcRect/>
+          <a:stretch>
+            <a:fillRect/>
+          </a:stretch>
+        </p:blipFill>
+        <p:spPr bwMode="auto">
+          <a:xfrm>
+            <a:off x="2824161" y="4143380"/>
+            <a:ext cx="1533525" cy="333375"/>
+          </a:xfrm>
+          <a:prstGeom prst="rect">
+            <a:avLst/>
+          </a:prstGeom>
+          <a:noFill/>
+          <a:ln w="9525">
+            <a:noFill/>
+            <a:miter lim="800000"/>
+            <a:headEnd/>
+            <a:tailEnd/>
+          </a:ln>
+          <a:effectLst/>
+        </p:spPr>
+      </p:pic>
+      <p:pic>
+        <p:nvPicPr>
+          <p:cNvPr id="11" name="Picture 11"/>
+          <p:cNvPicPr>
+            <a:picLocks noChangeAspect="1" noChangeArrowheads="1"/>
+          </p:cNvPicPr>
+          <p:nvPr/>
+        </p:nvPicPr>
+        <p:blipFill>
+          <a:blip r:embed="rId5"/>
+          <a:srcRect/>
+          <a:stretch>
+            <a:fillRect/>
+          </a:stretch>
+        </p:blipFill>
+        <p:spPr bwMode="auto">
+          <a:xfrm>
+            <a:off x="3929058" y="3429000"/>
+            <a:ext cx="342900" cy="342900"/>
+          </a:xfrm>
+          <a:prstGeom prst="rect">
+            <a:avLst/>
+          </a:prstGeom>
+          <a:noFill/>
+          <a:ln w="9525">
+            <a:noFill/>
+            <a:miter lim="800000"/>
+            <a:headEnd/>
+            <a:tailEnd/>
+          </a:ln>
+          <a:effectLst/>
+        </p:spPr>
+      </p:pic>
+    </p:spTree>
+  </p:cSld>
+  <p:clrMapOvr>
+    <a:masterClrMapping/>
+  </p:clrMapOvr>
+</p:sld>
+</file>
+
+<file path=ppt/slides/slide3.xml><?xml version="1.0" encoding="utf-8"?>
+<p:sld xmlns:a="http://schemas.openxmlformats.org/drawingml/2006/main" xmlns:r="http://schemas.openxmlformats.org/officeDocument/2006/relationships" xmlns:p="http://schemas.openxmlformats.org/presentationml/2006/main">
+  <p:cSld>
+    <p:spTree>
+      <p:nvGrpSpPr>
+        <p:cNvPr id="1" name=""/>
+        <p:cNvGrpSpPr/>
+        <p:nvPr/>
+      </p:nvGrpSpPr>
+      <p:grpSpPr>
+        <a:xfrm>
+          <a:off x="0" y="0"/>
+          <a:ext cx="0" cy="0"/>
+          <a:chOff x="0" y="0"/>
+          <a:chExt cx="0" cy="0"/>
+        </a:xfrm>
+      </p:grpSpPr>
+      <p:sp>
+        <p:nvSpPr>
+          <p:cNvPr id="2050" name="AutoShape 2" descr="Carro de compras png png imágenes | PNGWing"/>
+          <p:cNvSpPr>
+            <a:spLocks noChangeAspect="1" noChangeArrowheads="1"/>
+          </p:cNvSpPr>
+          <p:nvPr/>
+        </p:nvSpPr>
+        <p:spPr bwMode="auto">
+          <a:xfrm>
+            <a:off x="155575" y="-144463"/>
+            <a:ext cx="304800" cy="304801"/>
+          </a:xfrm>
+          <a:prstGeom prst="rect">
+            <a:avLst/>
+          </a:prstGeom>
+          <a:noFill/>
+        </p:spPr>
+        <p:txBody>
+          <a:bodyPr vert="horz" wrap="square" lIns="91440" tIns="45720" rIns="91440" bIns="45720" numCol="1" anchor="t" anchorCtr="0" compatLnSpc="1">
+            <a:prstTxWarp prst="textNoShape">
+              <a:avLst/>
+            </a:prstTxWarp>
+          </a:bodyPr>
+          <a:lstStyle/>
+          <a:p>
+            <a:endParaRPr lang="es-ES"/>
+          </a:p>
+        </p:txBody>
+      </p:sp>
+      <p:sp>
+        <p:nvSpPr>
+          <p:cNvPr id="3" name="2 CuadroTexto"/>
+          <p:cNvSpPr txBox="1"/>
+          <p:nvPr/>
+        </p:nvSpPr>
+        <p:spPr>
+          <a:xfrm>
+            <a:off x="857224" y="357166"/>
+            <a:ext cx="3885103" cy="369332"/>
+          </a:xfrm>
+          <a:prstGeom prst="rect">
+            <a:avLst/>
+          </a:prstGeom>
+          <a:noFill/>
+        </p:spPr>
+        <p:txBody>
+          <a:bodyPr wrap="none" rtlCol="0">
+            <a:spAutoFit/>
+          </a:bodyPr>
+          <a:lstStyle/>
+          <a:p>
+            <a:r>
+              <a:rPr lang="es-ES" dirty="0" smtClean="0"/>
+              <a:t>Prototipo de vistas de la aplicación web</a:t>
+            </a:r>
+            <a:endParaRPr lang="es-ES" dirty="0"/>
+          </a:p>
+        </p:txBody>
+      </p:sp>
+      <p:sp>
+        <p:nvSpPr>
+          <p:cNvPr id="5" name="4 Rectángulo redondeado"/>
+          <p:cNvSpPr/>
+          <p:nvPr/>
+        </p:nvSpPr>
+        <p:spPr>
+          <a:xfrm>
+            <a:off x="928662" y="2073241"/>
+            <a:ext cx="2214578" cy="428628"/>
+          </a:xfrm>
+          <a:prstGeom prst="roundRect">
+            <a:avLst/>
+          </a:prstGeom>
+          <a:ln w="12700"/>
+        </p:spPr>
+        <p:style>
+          <a:lnRef idx="2">
+            <a:schemeClr val="dk1"/>
+          </a:lnRef>
+          <a:fillRef idx="1">
+            <a:schemeClr val="lt1"/>
+          </a:fillRef>
+          <a:effectRef idx="0">
+            <a:schemeClr val="dk1"/>
+          </a:effectRef>
+          <a:fontRef idx="minor">
+            <a:schemeClr val="dk1"/>
+          </a:fontRef>
+        </p:style>
+        <p:txBody>
+          <a:bodyPr rtlCol="0" anchor="ctr"/>
+          <a:lstStyle/>
+          <a:p>
+            <a:pPr algn="ctr"/>
+            <a:r>
+              <a:rPr lang="es-ES" dirty="0" smtClean="0"/>
+              <a:t>Ensalada mixta</a:t>
+            </a:r>
+            <a:endParaRPr lang="es-ES" dirty="0"/>
+          </a:p>
+        </p:txBody>
+      </p:sp>
+      <p:pic>
+        <p:nvPicPr>
+          <p:cNvPr id="1030" name="Picture 6"/>
+          <p:cNvPicPr>
+            <a:picLocks noChangeAspect="1" noChangeArrowheads="1"/>
+          </p:cNvPicPr>
+          <p:nvPr/>
+        </p:nvPicPr>
+        <p:blipFill>
+          <a:blip r:embed="rId2"/>
+          <a:srcRect/>
+          <a:stretch>
+            <a:fillRect/>
+          </a:stretch>
+        </p:blipFill>
+        <p:spPr bwMode="auto">
+          <a:xfrm>
+            <a:off x="928663" y="4857760"/>
+            <a:ext cx="2214578" cy="203459"/>
+          </a:xfrm>
+          <a:prstGeom prst="rect">
+            <a:avLst/>
+          </a:prstGeom>
+          <a:noFill/>
+          <a:ln w="9525">
+            <a:noFill/>
+            <a:miter lim="800000"/>
+            <a:headEnd/>
+            <a:tailEnd/>
+          </a:ln>
+          <a:effectLst/>
+        </p:spPr>
+      </p:pic>
+      <p:sp>
+        <p:nvSpPr>
+          <p:cNvPr id="17" name="16 Rectángulo redondeado"/>
+          <p:cNvSpPr/>
+          <p:nvPr/>
+        </p:nvSpPr>
+        <p:spPr>
+          <a:xfrm>
+            <a:off x="2428860" y="4430695"/>
+            <a:ext cx="682673" cy="214314"/>
+          </a:xfrm>
+          <a:prstGeom prst="roundRect">
+            <a:avLst/>
+          </a:prstGeom>
+          <a:ln w="6350"/>
+        </p:spPr>
+        <p:style>
+          <a:lnRef idx="1">
+            <a:schemeClr val="dk1"/>
+          </a:lnRef>
+          <a:fillRef idx="2">
+            <a:schemeClr val="dk1"/>
+          </a:fillRef>
+          <a:effectRef idx="1">
+            <a:schemeClr val="dk1"/>
+          </a:effectRef>
+          <a:fontRef idx="minor">
+            <a:schemeClr val="dk1"/>
+          </a:fontRef>
+        </p:style>
+        <p:txBody>
+          <a:bodyPr lIns="0" tIns="0" rIns="0" bIns="0" rtlCol="0" anchor="ctr"/>
+          <a:lstStyle/>
+          <a:p>
+            <a:pPr algn="ctr"/>
+            <a:r>
+              <a:rPr lang="es-ES" sz="1000" dirty="0" smtClean="0"/>
+              <a:t>Comprar</a:t>
+            </a:r>
+            <a:endParaRPr lang="es-ES" sz="1000" dirty="0"/>
+          </a:p>
+        </p:txBody>
+      </p:sp>
+      <p:sp>
+        <p:nvSpPr>
+          <p:cNvPr id="18" name="17 CuadroTexto"/>
+          <p:cNvSpPr txBox="1"/>
+          <p:nvPr/>
+        </p:nvSpPr>
+        <p:spPr>
+          <a:xfrm>
+            <a:off x="928662" y="4359257"/>
+            <a:ext cx="920445" cy="369332"/>
+          </a:xfrm>
+          <a:prstGeom prst="rect">
+            <a:avLst/>
+          </a:prstGeom>
+          <a:noFill/>
+        </p:spPr>
+        <p:txBody>
+          <a:bodyPr wrap="none" rtlCol="0">
+            <a:spAutoFit/>
+          </a:bodyPr>
+          <a:lstStyle/>
+          <a:p>
+            <a:r>
+              <a:rPr lang="es-ES" dirty="0" smtClean="0"/>
+              <a:t>$ 450.</a:t>
+            </a:r>
+            <a:r>
+              <a:rPr lang="es-ES" baseline="30000" dirty="0" smtClean="0"/>
+              <a:t>00</a:t>
+            </a:r>
+            <a:endParaRPr lang="es-ES" baseline="30000" dirty="0"/>
+          </a:p>
+        </p:txBody>
+      </p:sp>
+      <p:sp>
+        <p:nvSpPr>
+          <p:cNvPr id="20" name="19 Rectángulo redondeado"/>
+          <p:cNvSpPr/>
+          <p:nvPr/>
+        </p:nvSpPr>
+        <p:spPr>
+          <a:xfrm>
+            <a:off x="3428992" y="2071678"/>
+            <a:ext cx="2214578" cy="428628"/>
+          </a:xfrm>
+          <a:prstGeom prst="roundRect">
+            <a:avLst/>
+          </a:prstGeom>
+          <a:ln w="12700"/>
+        </p:spPr>
+        <p:style>
+          <a:lnRef idx="2">
+            <a:schemeClr val="dk1"/>
+          </a:lnRef>
+          <a:fillRef idx="1">
+            <a:schemeClr val="lt1"/>
+          </a:fillRef>
+          <a:effectRef idx="0">
+            <a:schemeClr val="dk1"/>
+          </a:effectRef>
+          <a:fontRef idx="minor">
+            <a:schemeClr val="dk1"/>
+          </a:fontRef>
+        </p:style>
+        <p:txBody>
+          <a:bodyPr rtlCol="0" anchor="ctr"/>
+          <a:lstStyle/>
+          <a:p>
+            <a:pPr algn="ctr"/>
+            <a:r>
+              <a:rPr lang="es-ES" dirty="0" smtClean="0"/>
+              <a:t>Cerveza Quilmes 430</a:t>
+            </a:r>
+            <a:endParaRPr lang="es-ES" dirty="0"/>
+          </a:p>
+        </p:txBody>
+      </p:sp>
+      <p:pic>
+        <p:nvPicPr>
+          <p:cNvPr id="22" name="Picture 6"/>
+          <p:cNvPicPr>
+            <a:picLocks noChangeAspect="1" noChangeArrowheads="1"/>
+          </p:cNvPicPr>
+          <p:nvPr/>
+        </p:nvPicPr>
+        <p:blipFill>
+          <a:blip r:embed="rId2"/>
+          <a:srcRect/>
+          <a:stretch>
+            <a:fillRect/>
+          </a:stretch>
+        </p:blipFill>
+        <p:spPr bwMode="auto">
+          <a:xfrm>
+            <a:off x="3428993" y="4857760"/>
+            <a:ext cx="2214578" cy="203459"/>
+          </a:xfrm>
+          <a:prstGeom prst="rect">
+            <a:avLst/>
+          </a:prstGeom>
+          <a:noFill/>
+          <a:ln w="9525">
+            <a:noFill/>
+            <a:miter lim="800000"/>
+            <a:headEnd/>
+            <a:tailEnd/>
+          </a:ln>
+          <a:effectLst/>
+        </p:spPr>
+      </p:pic>
+      <p:grpSp>
+        <p:nvGrpSpPr>
+          <p:cNvPr id="23" name="22 Grupo"/>
+          <p:cNvGrpSpPr/>
+          <p:nvPr/>
+        </p:nvGrpSpPr>
+        <p:grpSpPr>
+          <a:xfrm>
+            <a:off x="4572000" y="4157085"/>
+            <a:ext cx="285752" cy="500065"/>
+            <a:chOff x="3357554" y="3500438"/>
+            <a:chExt cx="285752" cy="500065"/>
+          </a:xfrm>
+        </p:grpSpPr>
+        <p:pic>
+          <p:nvPicPr>
+            <p:cNvPr id="24" name="Picture 20" descr="Icono Del Carrito De Compras. Diseño De Color Azul Ilustración del Vector -  Ilustración de icono, forma: 209472475"/>
+            <p:cNvPicPr>
+              <a:picLocks noChangeAspect="1" noChangeArrowheads="1"/>
+            </p:cNvPicPr>
+            <p:nvPr/>
+          </p:nvPicPr>
+          <p:blipFill>
+            <a:blip r:embed="rId3"/>
+            <a:srcRect/>
+            <a:stretch>
+              <a:fillRect/>
+            </a:stretch>
+          </p:blipFill>
+          <p:spPr bwMode="auto">
+            <a:xfrm>
+              <a:off x="3357554" y="3714751"/>
+              <a:ext cx="285752" cy="285752"/>
+            </a:xfrm>
+            <a:prstGeom prst="rect">
+              <a:avLst/>
+            </a:prstGeom>
+            <a:noFill/>
+          </p:spPr>
+        </p:pic>
+        <p:sp>
+          <p:nvSpPr>
+            <p:cNvPr id="25" name="24 CuadroTexto"/>
+            <p:cNvSpPr txBox="1"/>
+            <p:nvPr/>
+          </p:nvSpPr>
+          <p:spPr>
+            <a:xfrm>
+              <a:off x="3357554" y="3500438"/>
+              <a:ext cx="142876" cy="430887"/>
+            </a:xfrm>
+            <a:prstGeom prst="rect">
+              <a:avLst/>
+            </a:prstGeom>
+            <a:noFill/>
+          </p:spPr>
+          <p:txBody>
+            <a:bodyPr wrap="square" lIns="0" tIns="0" rIns="0" bIns="0" rtlCol="0">
+              <a:spAutoFit/>
+            </a:bodyPr>
+            <a:lstStyle/>
+            <a:p>
+              <a:r>
+                <a:rPr lang="es-ES" sz="2800" b="1" dirty="0" smtClean="0">
+                  <a:solidFill>
+                    <a:srgbClr val="FF0000"/>
+                  </a:solidFill>
+                </a:rPr>
+                <a:t>+</a:t>
+              </a:r>
+              <a:endParaRPr lang="es-ES" sz="2800" b="1" dirty="0">
+                <a:solidFill>
+                  <a:srgbClr val="FF0000"/>
+                </a:solidFill>
+              </a:endParaRPr>
+            </a:p>
+          </p:txBody>
+        </p:sp>
+      </p:grpSp>
+      <p:sp>
+        <p:nvSpPr>
+          <p:cNvPr id="26" name="25 Rectángulo redondeado"/>
+          <p:cNvSpPr/>
+          <p:nvPr/>
+        </p:nvSpPr>
+        <p:spPr>
+          <a:xfrm>
+            <a:off x="4929190" y="4429131"/>
+            <a:ext cx="682673" cy="215877"/>
+          </a:xfrm>
+          <a:prstGeom prst="roundRect">
+            <a:avLst/>
+          </a:prstGeom>
+          <a:ln w="6350"/>
+        </p:spPr>
+        <p:style>
+          <a:lnRef idx="1">
+            <a:schemeClr val="dk1"/>
+          </a:lnRef>
+          <a:fillRef idx="2">
+            <a:schemeClr val="dk1"/>
+          </a:fillRef>
+          <a:effectRef idx="1">
+            <a:schemeClr val="dk1"/>
+          </a:effectRef>
+          <a:fontRef idx="minor">
+            <a:schemeClr val="dk1"/>
+          </a:fontRef>
+        </p:style>
+        <p:txBody>
+          <a:bodyPr lIns="0" tIns="0" rIns="0" bIns="0" rtlCol="0" anchor="ctr"/>
+          <a:lstStyle/>
+          <a:p>
+            <a:pPr algn="ctr"/>
+            <a:r>
+              <a:rPr lang="es-ES" sz="1000" dirty="0" smtClean="0"/>
+              <a:t>Comprar</a:t>
+            </a:r>
+            <a:endParaRPr lang="es-ES" sz="1000" dirty="0"/>
+          </a:p>
+        </p:txBody>
+      </p:sp>
+      <p:sp>
+        <p:nvSpPr>
+          <p:cNvPr id="27" name="26 CuadroTexto"/>
+          <p:cNvSpPr txBox="1"/>
+          <p:nvPr/>
+        </p:nvSpPr>
+        <p:spPr>
+          <a:xfrm>
+            <a:off x="3428992" y="4357694"/>
+            <a:ext cx="920445" cy="369332"/>
+          </a:xfrm>
+          <a:prstGeom prst="rect">
+            <a:avLst/>
+          </a:prstGeom>
+          <a:noFill/>
+        </p:spPr>
+        <p:txBody>
+          <a:bodyPr wrap="none" rtlCol="0">
+            <a:spAutoFit/>
+          </a:bodyPr>
+          <a:lstStyle/>
+          <a:p>
+            <a:r>
+              <a:rPr lang="es-ES" dirty="0" smtClean="0"/>
+              <a:t>$ 350.</a:t>
+            </a:r>
+            <a:r>
+              <a:rPr lang="es-ES" baseline="30000" dirty="0" smtClean="0"/>
+              <a:t>00</a:t>
+            </a:r>
+            <a:endParaRPr lang="es-ES" baseline="30000" dirty="0"/>
+          </a:p>
+        </p:txBody>
+      </p:sp>
+      <p:sp>
+        <p:nvSpPr>
+          <p:cNvPr id="30" name="29 Rectángulo redondeado"/>
+          <p:cNvSpPr/>
+          <p:nvPr/>
+        </p:nvSpPr>
+        <p:spPr>
+          <a:xfrm>
+            <a:off x="5929322" y="2071678"/>
+            <a:ext cx="2214578" cy="428628"/>
+          </a:xfrm>
+          <a:prstGeom prst="roundRect">
+            <a:avLst/>
+          </a:prstGeom>
+          <a:ln w="12700"/>
+        </p:spPr>
+        <p:style>
+          <a:lnRef idx="2">
+            <a:schemeClr val="dk1"/>
+          </a:lnRef>
+          <a:fillRef idx="1">
+            <a:schemeClr val="lt1"/>
+          </a:fillRef>
+          <a:effectRef idx="0">
+            <a:schemeClr val="dk1"/>
+          </a:effectRef>
+          <a:fontRef idx="minor">
+            <a:schemeClr val="dk1"/>
+          </a:fontRef>
+        </p:style>
+        <p:txBody>
+          <a:bodyPr rtlCol="0" anchor="ctr"/>
+          <a:lstStyle/>
+          <a:p>
+            <a:pPr algn="ctr"/>
+            <a:r>
+              <a:rPr lang="es-ES" dirty="0" smtClean="0"/>
+              <a:t>Postre frutal</a:t>
+            </a:r>
+            <a:endParaRPr lang="es-ES" dirty="0"/>
+          </a:p>
+        </p:txBody>
+      </p:sp>
+      <p:pic>
+        <p:nvPicPr>
+          <p:cNvPr id="31" name="Picture 6"/>
+          <p:cNvPicPr>
+            <a:picLocks noChangeAspect="1" noChangeArrowheads="1"/>
+          </p:cNvPicPr>
+          <p:nvPr/>
+        </p:nvPicPr>
+        <p:blipFill>
+          <a:blip r:embed="rId2"/>
+          <a:srcRect/>
+          <a:stretch>
+            <a:fillRect/>
+          </a:stretch>
+        </p:blipFill>
+        <p:spPr bwMode="auto">
+          <a:xfrm>
+            <a:off x="5929323" y="4857760"/>
+            <a:ext cx="2214578" cy="203459"/>
+          </a:xfrm>
+          <a:prstGeom prst="rect">
+            <a:avLst/>
+          </a:prstGeom>
+          <a:noFill/>
+          <a:ln w="9525">
+            <a:noFill/>
+            <a:miter lim="800000"/>
+            <a:headEnd/>
+            <a:tailEnd/>
+          </a:ln>
+          <a:effectLst/>
+        </p:spPr>
+      </p:pic>
+      <p:grpSp>
+        <p:nvGrpSpPr>
+          <p:cNvPr id="32" name="31 Grupo"/>
+          <p:cNvGrpSpPr/>
+          <p:nvPr/>
+        </p:nvGrpSpPr>
+        <p:grpSpPr>
+          <a:xfrm>
+            <a:off x="7072330" y="4157085"/>
+            <a:ext cx="285752" cy="500065"/>
+            <a:chOff x="3357554" y="3500438"/>
+            <a:chExt cx="285752" cy="500065"/>
+          </a:xfrm>
+        </p:grpSpPr>
+        <p:pic>
+          <p:nvPicPr>
+            <p:cNvPr id="33" name="Picture 20" descr="Icono Del Carrito De Compras. Diseño De Color Azul Ilustración del Vector -  Ilustración de icono, forma: 209472475"/>
+            <p:cNvPicPr>
+              <a:picLocks noChangeAspect="1" noChangeArrowheads="1"/>
+            </p:cNvPicPr>
+            <p:nvPr/>
+          </p:nvPicPr>
+          <p:blipFill>
+            <a:blip r:embed="rId3"/>
+            <a:srcRect/>
+            <a:stretch>
+              <a:fillRect/>
+            </a:stretch>
+          </p:blipFill>
+          <p:spPr bwMode="auto">
+            <a:xfrm>
+              <a:off x="3357554" y="3714751"/>
+              <a:ext cx="285752" cy="285752"/>
+            </a:xfrm>
+            <a:prstGeom prst="rect">
+              <a:avLst/>
+            </a:prstGeom>
+            <a:noFill/>
+          </p:spPr>
+        </p:pic>
+        <p:sp>
+          <p:nvSpPr>
+            <p:cNvPr id="34" name="33 CuadroTexto"/>
+            <p:cNvSpPr txBox="1"/>
+            <p:nvPr/>
+          </p:nvSpPr>
+          <p:spPr>
+            <a:xfrm>
+              <a:off x="3357554" y="3500438"/>
+              <a:ext cx="142876" cy="430887"/>
+            </a:xfrm>
+            <a:prstGeom prst="rect">
+              <a:avLst/>
+            </a:prstGeom>
+            <a:noFill/>
+          </p:spPr>
+          <p:txBody>
+            <a:bodyPr wrap="square" lIns="0" tIns="0" rIns="0" bIns="0" rtlCol="0">
+              <a:spAutoFit/>
+            </a:bodyPr>
+            <a:lstStyle/>
+            <a:p>
+              <a:r>
+                <a:rPr lang="es-ES" sz="2800" b="1" dirty="0" smtClean="0">
+                  <a:solidFill>
+                    <a:srgbClr val="FF0000"/>
+                  </a:solidFill>
+                </a:rPr>
+                <a:t>+</a:t>
+              </a:r>
+              <a:endParaRPr lang="es-ES" sz="2800" b="1" dirty="0">
+                <a:solidFill>
+                  <a:srgbClr val="FF0000"/>
+                </a:solidFill>
+              </a:endParaRPr>
+            </a:p>
+          </p:txBody>
+        </p:sp>
+      </p:grpSp>
+      <p:sp>
+        <p:nvSpPr>
+          <p:cNvPr id="35" name="34 Rectángulo redondeado"/>
+          <p:cNvSpPr/>
+          <p:nvPr/>
+        </p:nvSpPr>
+        <p:spPr>
+          <a:xfrm>
+            <a:off x="7429520" y="4429131"/>
+            <a:ext cx="682673" cy="215877"/>
+          </a:xfrm>
+          <a:prstGeom prst="roundRect">
+            <a:avLst/>
+          </a:prstGeom>
+          <a:ln w="6350"/>
+        </p:spPr>
+        <p:style>
+          <a:lnRef idx="1">
+            <a:schemeClr val="dk1"/>
+          </a:lnRef>
+          <a:fillRef idx="2">
+            <a:schemeClr val="dk1"/>
+          </a:fillRef>
+          <a:effectRef idx="1">
+            <a:schemeClr val="dk1"/>
+          </a:effectRef>
+          <a:fontRef idx="minor">
+            <a:schemeClr val="dk1"/>
+          </a:fontRef>
+        </p:style>
+        <p:txBody>
+          <a:bodyPr lIns="0" tIns="0" rIns="0" bIns="0" rtlCol="0" anchor="ctr"/>
+          <a:lstStyle/>
+          <a:p>
+            <a:pPr algn="ctr"/>
+            <a:r>
+              <a:rPr lang="es-ES" sz="1000" dirty="0" smtClean="0"/>
+              <a:t>Comprar</a:t>
+            </a:r>
+            <a:endParaRPr lang="es-ES" sz="1000" dirty="0"/>
+          </a:p>
+        </p:txBody>
+      </p:sp>
+      <p:sp>
+        <p:nvSpPr>
+          <p:cNvPr id="36" name="35 CuadroTexto"/>
+          <p:cNvSpPr txBox="1"/>
+          <p:nvPr/>
+        </p:nvSpPr>
+        <p:spPr>
+          <a:xfrm>
+            <a:off x="5929322" y="4357694"/>
+            <a:ext cx="920445" cy="369332"/>
+          </a:xfrm>
+          <a:prstGeom prst="rect">
+            <a:avLst/>
+          </a:prstGeom>
+          <a:noFill/>
+        </p:spPr>
+        <p:txBody>
+          <a:bodyPr wrap="none" rtlCol="0">
+            <a:spAutoFit/>
+          </a:bodyPr>
+          <a:lstStyle/>
+          <a:p>
+            <a:r>
+              <a:rPr lang="es-ES" dirty="0" smtClean="0"/>
+              <a:t>$ 350.</a:t>
+            </a:r>
+            <a:r>
+              <a:rPr lang="es-ES" baseline="30000" dirty="0" smtClean="0"/>
+              <a:t>00</a:t>
+            </a:r>
+            <a:endParaRPr lang="es-ES" baseline="30000" dirty="0"/>
+          </a:p>
+        </p:txBody>
+      </p:sp>
+      <p:pic>
+        <p:nvPicPr>
+          <p:cNvPr id="37" name="Picture 2" descr="E:\TecnicaturaUniversitariaEnDesarrolloDeSoftware\2ºaño-1ºcuatrimestre\TUDS-B Programación Web ll\MenuParaRestaurant\Ensaladas.png"/>
+          <p:cNvPicPr>
+            <a:picLocks noChangeAspect="1" noChangeArrowheads="1"/>
+          </p:cNvPicPr>
+          <p:nvPr/>
+        </p:nvPicPr>
+        <p:blipFill>
+          <a:blip r:embed="rId4" cstate="print"/>
+          <a:srcRect/>
+          <a:stretch>
+            <a:fillRect/>
+          </a:stretch>
+        </p:blipFill>
+        <p:spPr bwMode="auto">
+          <a:xfrm>
+            <a:off x="928662" y="2573307"/>
+            <a:ext cx="2214578" cy="1660538"/>
+          </a:xfrm>
+          <a:prstGeom prst="rect">
+            <a:avLst/>
+          </a:prstGeom>
+          <a:noFill/>
+        </p:spPr>
+      </p:pic>
+      <p:pic>
+        <p:nvPicPr>
+          <p:cNvPr id="1031" name="Picture 7" descr="C:\xampp\htdocs\GalileoExpress\imagenes\quilmesLata473.png"/>
+          <p:cNvPicPr>
+            <a:picLocks noChangeAspect="1" noChangeArrowheads="1"/>
+          </p:cNvPicPr>
+          <p:nvPr/>
+        </p:nvPicPr>
+        <p:blipFill>
+          <a:blip r:embed="rId5"/>
+          <a:srcRect/>
+          <a:stretch>
+            <a:fillRect/>
+          </a:stretch>
+        </p:blipFill>
+        <p:spPr bwMode="auto">
+          <a:xfrm>
+            <a:off x="3643306" y="2573307"/>
+            <a:ext cx="1643074" cy="1643074"/>
+          </a:xfrm>
+          <a:prstGeom prst="rect">
+            <a:avLst/>
+          </a:prstGeom>
+          <a:noFill/>
+        </p:spPr>
+      </p:pic>
+      <p:pic>
+        <p:nvPicPr>
+          <p:cNvPr id="1027" name="Picture 3" descr="E:\TecnicaturaUniversitariaEnDesarrolloDeSoftware\2ºaño-1ºcuatrimestre\TUDS-B Programación Web ll\MenuParaRestaurant\Postres.png"/>
+          <p:cNvPicPr>
+            <a:picLocks noChangeAspect="1" noChangeArrowheads="1"/>
+          </p:cNvPicPr>
+          <p:nvPr/>
+        </p:nvPicPr>
+        <p:blipFill>
+          <a:blip r:embed="rId6"/>
+          <a:srcRect/>
+          <a:stretch>
+            <a:fillRect/>
+          </a:stretch>
+        </p:blipFill>
+        <p:spPr bwMode="auto">
+          <a:xfrm>
+            <a:off x="5929322" y="2573307"/>
+            <a:ext cx="2214578" cy="1660538"/>
+          </a:xfrm>
+          <a:prstGeom prst="rect">
+            <a:avLst/>
+          </a:prstGeom>
+          <a:noFill/>
+        </p:spPr>
+      </p:pic>
+      <p:sp>
+        <p:nvSpPr>
+          <p:cNvPr id="39" name="38 CuadroTexto"/>
+          <p:cNvSpPr txBox="1"/>
+          <p:nvPr/>
+        </p:nvSpPr>
+        <p:spPr>
+          <a:xfrm>
+            <a:off x="1000100" y="916528"/>
+            <a:ext cx="7143800" cy="369332"/>
+          </a:xfrm>
+          <a:prstGeom prst="rect">
+            <a:avLst/>
+          </a:prstGeom>
+          <a:noFill/>
+          <a:ln>
+            <a:gradFill>
+              <a:gsLst>
+                <a:gs pos="0">
+                  <a:schemeClr val="accent1">
+                    <a:tint val="66000"/>
+                    <a:satMod val="160000"/>
+                  </a:schemeClr>
+                </a:gs>
+                <a:gs pos="50000">
+                  <a:schemeClr val="accent1">
+                    <a:tint val="44500"/>
+                    <a:satMod val="160000"/>
+                  </a:schemeClr>
+                </a:gs>
+                <a:gs pos="100000">
+                  <a:schemeClr val="accent1">
+                    <a:tint val="23500"/>
+                    <a:satMod val="160000"/>
+                  </a:schemeClr>
+                </a:gs>
+              </a:gsLst>
+              <a:lin ang="5400000" scaled="0"/>
+            </a:gradFill>
+          </a:ln>
+          <a:effectLst>
+            <a:outerShdw blurRad="50800" dist="38100" dir="5400000" algn="t" rotWithShape="0">
+              <a:prstClr val="black">
+                <a:alpha val="40000"/>
+              </a:prstClr>
+            </a:outerShdw>
+          </a:effectLst>
+        </p:spPr>
+        <p:txBody>
+          <a:bodyPr wrap="square" rtlCol="0">
+            <a:spAutoFit/>
+          </a:bodyPr>
+          <a:lstStyle/>
+          <a:p>
+            <a:r>
+              <a:rPr lang="es-MX" dirty="0" smtClean="0"/>
+              <a:t> </a:t>
+            </a:r>
+            <a:r>
+              <a:rPr lang="es-MX" dirty="0" err="1" smtClean="0"/>
+              <a:t>VentasDelivery</a:t>
+            </a:r>
+            <a:r>
+              <a:rPr lang="es-MX" dirty="0" smtClean="0"/>
+              <a:t>   </a:t>
+            </a:r>
+            <a:r>
+              <a:rPr lang="es-MX" dirty="0" smtClean="0">
+                <a:hlinkClick r:id="rId7"/>
+              </a:rPr>
+              <a:t>Home</a:t>
+            </a:r>
+            <a:r>
+              <a:rPr lang="es-MX" dirty="0" smtClean="0"/>
+              <a:t>    </a:t>
+            </a:r>
+            <a:r>
+              <a:rPr lang="es-MX" dirty="0" smtClean="0">
+                <a:hlinkClick r:id="rId8"/>
+              </a:rPr>
+              <a:t>Artículos</a:t>
+            </a:r>
+            <a:r>
+              <a:rPr lang="es-MX" dirty="0" smtClean="0"/>
+              <a:t>     </a:t>
+            </a:r>
+            <a:r>
+              <a:rPr lang="es-MX" dirty="0" smtClean="0">
+                <a:hlinkClick r:id="rId9"/>
+              </a:rPr>
+              <a:t>Publicación</a:t>
+            </a:r>
+            <a:r>
+              <a:rPr lang="es-MX" dirty="0" smtClean="0"/>
+              <a:t>    </a:t>
+            </a:r>
+            <a:r>
+              <a:rPr lang="es-MX" dirty="0" smtClean="0">
+                <a:hlinkClick r:id="rId10"/>
+              </a:rPr>
+              <a:t>Personas</a:t>
+            </a:r>
+            <a:r>
+              <a:rPr lang="es-MX" dirty="0" smtClean="0"/>
+              <a:t>    </a:t>
+            </a:r>
+            <a:r>
+              <a:rPr lang="es-ES" dirty="0" smtClean="0">
+                <a:hlinkClick r:id="rId11"/>
+              </a:rPr>
+              <a:t>Iniciar sesión</a:t>
+            </a:r>
+            <a:endParaRPr lang="es-ES" dirty="0"/>
+          </a:p>
+        </p:txBody>
+      </p:sp>
+      <p:pic>
+        <p:nvPicPr>
+          <p:cNvPr id="1032" name="Picture 8"/>
+          <p:cNvPicPr>
+            <a:picLocks noChangeAspect="1" noChangeArrowheads="1"/>
+          </p:cNvPicPr>
+          <p:nvPr/>
+        </p:nvPicPr>
+        <p:blipFill>
+          <a:blip r:embed="rId12"/>
+          <a:srcRect/>
+          <a:stretch>
+            <a:fillRect/>
+          </a:stretch>
+        </p:blipFill>
+        <p:spPr bwMode="auto">
+          <a:xfrm>
+            <a:off x="785786" y="5000636"/>
+            <a:ext cx="1533525" cy="333375"/>
+          </a:xfrm>
+          <a:prstGeom prst="rect">
+            <a:avLst/>
+          </a:prstGeom>
+          <a:noFill/>
+          <a:ln w="9525">
+            <a:noFill/>
+            <a:miter lim="800000"/>
+            <a:headEnd/>
+            <a:tailEnd/>
+          </a:ln>
+          <a:effectLst/>
+        </p:spPr>
+      </p:pic>
+      <p:pic>
+        <p:nvPicPr>
+          <p:cNvPr id="1033" name="Picture 9"/>
+          <p:cNvPicPr>
+            <a:picLocks noChangeAspect="1" noChangeArrowheads="1"/>
+          </p:cNvPicPr>
+          <p:nvPr/>
+        </p:nvPicPr>
+        <p:blipFill>
+          <a:blip r:embed="rId13"/>
+          <a:srcRect/>
+          <a:stretch>
+            <a:fillRect/>
+          </a:stretch>
+        </p:blipFill>
+        <p:spPr bwMode="auto">
+          <a:xfrm>
+            <a:off x="3143240" y="5072074"/>
+            <a:ext cx="1304925" cy="276225"/>
+          </a:xfrm>
+          <a:prstGeom prst="rect">
+            <a:avLst/>
+          </a:prstGeom>
+          <a:noFill/>
+          <a:ln w="9525">
+            <a:noFill/>
+            <a:miter lim="800000"/>
+            <a:headEnd/>
+            <a:tailEnd/>
+          </a:ln>
+          <a:effectLst/>
+        </p:spPr>
+      </p:pic>
+      <p:pic>
+        <p:nvPicPr>
+          <p:cNvPr id="1034" name="Picture 10"/>
+          <p:cNvPicPr>
+            <a:picLocks noChangeAspect="1" noChangeArrowheads="1"/>
+          </p:cNvPicPr>
+          <p:nvPr/>
+        </p:nvPicPr>
+        <p:blipFill>
+          <a:blip r:embed="rId13"/>
+          <a:srcRect/>
+          <a:stretch>
+            <a:fillRect/>
+          </a:stretch>
+        </p:blipFill>
+        <p:spPr bwMode="auto">
+          <a:xfrm>
+            <a:off x="5643570" y="5072074"/>
+            <a:ext cx="1304925" cy="276225"/>
+          </a:xfrm>
+          <a:prstGeom prst="rect">
+            <a:avLst/>
+          </a:prstGeom>
+          <a:noFill/>
+          <a:ln w="9525">
+            <a:noFill/>
+            <a:miter lim="800000"/>
+            <a:headEnd/>
+            <a:tailEnd/>
+          </a:ln>
+          <a:effectLst/>
+        </p:spPr>
+      </p:pic>
+      <p:pic>
+        <p:nvPicPr>
+          <p:cNvPr id="1035" name="Picture 11"/>
+          <p:cNvPicPr>
+            <a:picLocks noChangeAspect="1" noChangeArrowheads="1"/>
+          </p:cNvPicPr>
+          <p:nvPr/>
+        </p:nvPicPr>
+        <p:blipFill>
+          <a:blip r:embed="rId14"/>
+          <a:srcRect/>
+          <a:stretch>
+            <a:fillRect/>
+          </a:stretch>
+        </p:blipFill>
+        <p:spPr bwMode="auto">
+          <a:xfrm>
+            <a:off x="2000232" y="4299961"/>
+            <a:ext cx="342900" cy="342900"/>
+          </a:xfrm>
+          <a:prstGeom prst="rect">
+            <a:avLst/>
+          </a:prstGeom>
+          <a:noFill/>
+          <a:ln w="9525">
+            <a:noFill/>
+            <a:miter lim="800000"/>
+            <a:headEnd/>
+            <a:tailEnd/>
+          </a:ln>
+          <a:effectLst/>
+        </p:spPr>
+      </p:pic>
+      <p:pic>
+        <p:nvPicPr>
+          <p:cNvPr id="1036" name="Picture 12" descr="C:\xampp\htdocs\LAB2\Fotaza\public\imagenes\Publica.png"/>
+          <p:cNvPicPr>
+            <a:picLocks noChangeAspect="1" noChangeArrowheads="1"/>
+          </p:cNvPicPr>
+          <p:nvPr/>
+        </p:nvPicPr>
+        <p:blipFill>
+          <a:blip r:embed="rId15" cstate="print"/>
+          <a:srcRect/>
+          <a:stretch>
+            <a:fillRect/>
+          </a:stretch>
+        </p:blipFill>
+        <p:spPr bwMode="auto">
+          <a:xfrm>
+            <a:off x="7786710" y="5072074"/>
+            <a:ext cx="285752" cy="285752"/>
+          </a:xfrm>
+          <a:prstGeom prst="rect">
+            <a:avLst/>
+          </a:prstGeom>
+          <a:noFill/>
+        </p:spPr>
+      </p:pic>
+      <p:pic>
+        <p:nvPicPr>
+          <p:cNvPr id="48" name="Picture 8" descr="icono de vector de búsqueda 1504972 Vector en Vecteezy"/>
+          <p:cNvPicPr>
+            <a:picLocks noChangeAspect="1" noChangeArrowheads="1"/>
+          </p:cNvPicPr>
+          <p:nvPr/>
+        </p:nvPicPr>
+        <p:blipFill>
+          <a:blip r:embed="rId16"/>
+          <a:srcRect/>
+          <a:stretch>
+            <a:fillRect/>
+          </a:stretch>
+        </p:blipFill>
+        <p:spPr bwMode="auto">
+          <a:xfrm>
+            <a:off x="1000100" y="1428736"/>
+            <a:ext cx="214314" cy="214314"/>
+          </a:xfrm>
+          <a:prstGeom prst="rect">
+            <a:avLst/>
+          </a:prstGeom>
+          <a:noFill/>
+        </p:spPr>
+      </p:pic>
+      <p:pic>
+        <p:nvPicPr>
+          <p:cNvPr id="49" name="Picture 18" descr="icono de línea para filtro 2142126 Vector en Vecteezy"/>
+          <p:cNvPicPr>
+            <a:picLocks noChangeAspect="1" noChangeArrowheads="1"/>
+          </p:cNvPicPr>
+          <p:nvPr/>
+        </p:nvPicPr>
+        <p:blipFill>
+          <a:blip r:embed="rId17" cstate="print"/>
+          <a:srcRect/>
+          <a:stretch>
+            <a:fillRect/>
+          </a:stretch>
+        </p:blipFill>
+        <p:spPr bwMode="auto">
+          <a:xfrm>
+            <a:off x="4357686" y="1427943"/>
+            <a:ext cx="214314" cy="214314"/>
+          </a:xfrm>
+          <a:prstGeom prst="rect">
+            <a:avLst/>
+          </a:prstGeom>
+          <a:noFill/>
+        </p:spPr>
+      </p:pic>
+      <p:cxnSp>
+        <p:nvCxnSpPr>
+          <p:cNvPr id="50" name="49 Conector recto"/>
+          <p:cNvCxnSpPr/>
+          <p:nvPr/>
+        </p:nvCxnSpPr>
+        <p:spPr>
+          <a:xfrm rot="16200000" flipH="1">
+            <a:off x="2125249" y="625852"/>
+            <a:ext cx="1588" cy="2035985"/>
+          </a:xfrm>
+          <a:prstGeom prst="line">
+            <a:avLst/>
+          </a:prstGeom>
+        </p:spPr>
+        <p:style>
+          <a:lnRef idx="1">
+            <a:schemeClr val="accent1"/>
+          </a:lnRef>
+          <a:fillRef idx="0">
+            <a:schemeClr val="accent1"/>
+          </a:fillRef>
+          <a:effectRef idx="0">
+            <a:schemeClr val="accent1"/>
+          </a:effectRef>
+          <a:fontRef idx="minor">
+            <a:schemeClr val="tx1"/>
+          </a:fontRef>
+        </p:style>
+      </p:cxnSp>
+      <p:pic>
+        <p:nvPicPr>
+          <p:cNvPr id="1037" name="Picture 13" descr="C:\Users\HP\Downloads\CarritoCount.png"/>
+          <p:cNvPicPr>
+            <a:picLocks noChangeAspect="1" noChangeArrowheads="1"/>
+          </p:cNvPicPr>
+          <p:nvPr/>
+        </p:nvPicPr>
+        <p:blipFill>
+          <a:blip r:embed="rId18"/>
+          <a:srcRect/>
+          <a:stretch>
+            <a:fillRect/>
+          </a:stretch>
+        </p:blipFill>
+        <p:spPr bwMode="auto">
+          <a:xfrm>
+            <a:off x="7786710" y="1285066"/>
+            <a:ext cx="342900" cy="342900"/>
+          </a:xfrm>
+          <a:prstGeom prst="rect">
+            <a:avLst/>
+          </a:prstGeom>
+          <a:noFill/>
+        </p:spPr>
+      </p:pic>
+    </p:spTree>
+  </p:cSld>
+  <p:clrMapOvr>
+    <a:masterClrMapping/>
+  </p:clrMapOvr>
+</p:sld>
+</file>
+
+<file path=ppt/slides/slide4.xml><?xml version="1.0" encoding="utf-8"?>
+<p:sld xmlns:a="http://schemas.openxmlformats.org/drawingml/2006/main" xmlns:r="http://schemas.openxmlformats.org/officeDocument/2006/relationships" xmlns:p="http://schemas.openxmlformats.org/presentationml/2006/main">
+  <p:cSld>
+    <p:spTree>
+      <p:nvGrpSpPr>
+        <p:cNvPr id="1" name=""/>
+        <p:cNvGrpSpPr/>
+        <p:nvPr/>
+      </p:nvGrpSpPr>
+      <p:grpSpPr>
+        <a:xfrm>
+          <a:off x="0" y="0"/>
+          <a:ext cx="0" cy="0"/>
+          <a:chOff x="0" y="0"/>
+          <a:chExt cx="0" cy="0"/>
+        </a:xfrm>
+      </p:grpSpPr>
+      <p:sp>
+        <p:nvSpPr>
+          <p:cNvPr id="4" name="3 Rectángulo redondeado"/>
+          <p:cNvSpPr/>
+          <p:nvPr/>
+        </p:nvSpPr>
+        <p:spPr>
+          <a:xfrm>
+            <a:off x="6215074" y="606461"/>
+            <a:ext cx="2214578" cy="428628"/>
+          </a:xfrm>
+          <a:prstGeom prst="roundRect">
+            <a:avLst/>
+          </a:prstGeom>
+          <a:ln w="12700"/>
+        </p:spPr>
+        <p:style>
+          <a:lnRef idx="2">
+            <a:schemeClr val="dk1"/>
+          </a:lnRef>
+          <a:fillRef idx="1">
+            <a:schemeClr val="lt1"/>
+          </a:fillRef>
+          <a:effectRef idx="0">
+            <a:schemeClr val="dk1"/>
+          </a:effectRef>
+          <a:fontRef idx="minor">
+            <a:schemeClr val="dk1"/>
+          </a:fontRef>
+        </p:style>
+        <p:txBody>
+          <a:bodyPr rtlCol="0" anchor="ctr"/>
+          <a:lstStyle/>
+          <a:p>
+            <a:pPr algn="ctr"/>
+            <a:r>
+              <a:rPr lang="es-ES" dirty="0" smtClean="0"/>
+              <a:t>Ensalada mixta</a:t>
+            </a:r>
+            <a:endParaRPr lang="es-ES" dirty="0"/>
+          </a:p>
+        </p:txBody>
+      </p:sp>
+      <p:pic>
+        <p:nvPicPr>
+          <p:cNvPr id="5" name="Picture 6"/>
+          <p:cNvPicPr>
+            <a:picLocks noChangeAspect="1" noChangeArrowheads="1"/>
+          </p:cNvPicPr>
+          <p:nvPr/>
+        </p:nvPicPr>
+        <p:blipFill>
+          <a:blip r:embed="rId2"/>
+          <a:srcRect/>
+          <a:stretch>
+            <a:fillRect/>
+          </a:stretch>
+        </p:blipFill>
+        <p:spPr bwMode="auto">
+          <a:xfrm>
+            <a:off x="928662" y="4678427"/>
+            <a:ext cx="2214578" cy="203459"/>
+          </a:xfrm>
+          <a:prstGeom prst="rect">
+            <a:avLst/>
+          </a:prstGeom>
+          <a:noFill/>
+          <a:ln w="9525">
+            <a:noFill/>
+            <a:miter lim="800000"/>
+            <a:headEnd/>
+            <a:tailEnd/>
+          </a:ln>
+          <a:effectLst/>
+        </p:spPr>
+      </p:pic>
+      <p:sp>
+        <p:nvSpPr>
+          <p:cNvPr id="6" name="5 Rectángulo redondeado"/>
+          <p:cNvSpPr/>
+          <p:nvPr/>
+        </p:nvSpPr>
+        <p:spPr>
+          <a:xfrm>
+            <a:off x="6215074" y="4035485"/>
+            <a:ext cx="2214578" cy="357190"/>
+          </a:xfrm>
+          <a:prstGeom prst="roundRect">
+            <a:avLst/>
+          </a:prstGeom>
+          <a:ln w="6350"/>
+        </p:spPr>
+        <p:style>
+          <a:lnRef idx="1">
+            <a:schemeClr val="dk1"/>
+          </a:lnRef>
+          <a:fillRef idx="2">
+            <a:schemeClr val="dk1"/>
+          </a:fillRef>
+          <a:effectRef idx="1">
+            <a:schemeClr val="dk1"/>
+          </a:effectRef>
+          <a:fontRef idx="minor">
+            <a:schemeClr val="dk1"/>
+          </a:fontRef>
+        </p:style>
+        <p:txBody>
+          <a:bodyPr lIns="0" tIns="0" rIns="0" bIns="0" rtlCol="0" anchor="ctr"/>
+          <a:lstStyle/>
+          <a:p>
+            <a:pPr algn="ctr"/>
+            <a:r>
+              <a:rPr lang="es-ES" sz="1000" dirty="0" smtClean="0"/>
+              <a:t>Comprar</a:t>
+            </a:r>
+            <a:endParaRPr lang="es-ES" sz="1000" dirty="0"/>
+          </a:p>
+        </p:txBody>
+      </p:sp>
+      <p:sp>
+        <p:nvSpPr>
+          <p:cNvPr id="7" name="6 CuadroTexto"/>
+          <p:cNvSpPr txBox="1"/>
+          <p:nvPr/>
+        </p:nvSpPr>
+        <p:spPr>
+          <a:xfrm>
+            <a:off x="6858016" y="1035089"/>
+            <a:ext cx="920445" cy="369332"/>
+          </a:xfrm>
+          <a:prstGeom prst="rect">
+            <a:avLst/>
+          </a:prstGeom>
+          <a:noFill/>
+        </p:spPr>
+        <p:txBody>
+          <a:bodyPr wrap="none" rtlCol="0">
+            <a:spAutoFit/>
+          </a:bodyPr>
+          <a:lstStyle/>
+          <a:p>
+            <a:r>
+              <a:rPr lang="es-ES" dirty="0" smtClean="0"/>
+              <a:t>$ 450.</a:t>
+            </a:r>
+            <a:r>
+              <a:rPr lang="es-ES" baseline="30000" dirty="0" smtClean="0"/>
+              <a:t>00</a:t>
+            </a:r>
+            <a:endParaRPr lang="es-ES" baseline="30000" dirty="0"/>
+          </a:p>
+        </p:txBody>
+      </p:sp>
+      <p:pic>
+        <p:nvPicPr>
+          <p:cNvPr id="8" name="Picture 2" descr="E:\TecnicaturaUniversitariaEnDesarrolloDeSoftware\2ºaño-1ºcuatrimestre\TUDS-B Programación Web ll\MenuParaRestaurant\Ensaladas.png"/>
+          <p:cNvPicPr>
+            <a:picLocks noChangeAspect="1" noChangeArrowheads="1"/>
+          </p:cNvPicPr>
+          <p:nvPr/>
+        </p:nvPicPr>
+        <p:blipFill>
+          <a:blip r:embed="rId3" cstate="print"/>
+          <a:srcRect/>
+          <a:stretch>
+            <a:fillRect/>
+          </a:stretch>
+        </p:blipFill>
+        <p:spPr bwMode="auto">
+          <a:xfrm>
+            <a:off x="928659" y="571480"/>
+            <a:ext cx="5191413" cy="3892633"/>
+          </a:xfrm>
+          <a:prstGeom prst="rect">
+            <a:avLst/>
+          </a:prstGeom>
+          <a:noFill/>
+        </p:spPr>
+      </p:pic>
+      <p:pic>
+        <p:nvPicPr>
+          <p:cNvPr id="9" name="Picture 8"/>
+          <p:cNvPicPr>
+            <a:picLocks noChangeAspect="1" noChangeArrowheads="1"/>
+          </p:cNvPicPr>
+          <p:nvPr/>
+        </p:nvPicPr>
+        <p:blipFill>
+          <a:blip r:embed="rId4"/>
+          <a:srcRect/>
+          <a:stretch>
+            <a:fillRect/>
+          </a:stretch>
+        </p:blipFill>
+        <p:spPr bwMode="auto">
+          <a:xfrm>
+            <a:off x="785786" y="5357826"/>
+            <a:ext cx="1533525" cy="333375"/>
+          </a:xfrm>
+          <a:prstGeom prst="rect">
+            <a:avLst/>
+          </a:prstGeom>
+          <a:noFill/>
+          <a:ln w="9525">
+            <a:noFill/>
+            <a:miter lim="800000"/>
+            <a:headEnd/>
+            <a:tailEnd/>
+          </a:ln>
+          <a:effectLst/>
+        </p:spPr>
+      </p:pic>
+      <p:pic>
+        <p:nvPicPr>
+          <p:cNvPr id="10" name="Picture 11"/>
+          <p:cNvPicPr>
+            <a:picLocks noChangeAspect="1" noChangeArrowheads="1"/>
+          </p:cNvPicPr>
+          <p:nvPr/>
+        </p:nvPicPr>
+        <p:blipFill>
+          <a:blip r:embed="rId5"/>
+          <a:srcRect/>
+          <a:stretch>
+            <a:fillRect/>
+          </a:stretch>
+        </p:blipFill>
+        <p:spPr bwMode="auto">
+          <a:xfrm>
+            <a:off x="7143768" y="3500438"/>
+            <a:ext cx="342900" cy="342900"/>
+          </a:xfrm>
+          <a:prstGeom prst="rect">
+            <a:avLst/>
+          </a:prstGeom>
+          <a:noFill/>
+          <a:ln w="9525">
+            <a:noFill/>
+            <a:miter lim="800000"/>
+            <a:headEnd/>
+            <a:tailEnd/>
+          </a:ln>
+          <a:effectLst/>
+        </p:spPr>
+      </p:pic>
+      <p:sp>
+        <p:nvSpPr>
+          <p:cNvPr id="12" name="11 Rectángulo redondeado"/>
+          <p:cNvSpPr/>
+          <p:nvPr/>
+        </p:nvSpPr>
+        <p:spPr>
+          <a:xfrm>
+            <a:off x="6215074" y="1749469"/>
+            <a:ext cx="2286016" cy="1714512"/>
+          </a:xfrm>
+          <a:prstGeom prst="roundRect">
+            <a:avLst/>
+          </a:prstGeom>
+          <a:ln w="12700">
+            <a:noFill/>
+          </a:ln>
+        </p:spPr>
+        <p:style>
+          <a:lnRef idx="2">
+            <a:schemeClr val="dk1"/>
+          </a:lnRef>
+          <a:fillRef idx="1">
+            <a:schemeClr val="lt1"/>
+          </a:fillRef>
+          <a:effectRef idx="0">
+            <a:schemeClr val="dk1"/>
+          </a:effectRef>
+          <a:fontRef idx="minor">
+            <a:schemeClr val="dk1"/>
+          </a:fontRef>
+        </p:style>
+        <p:txBody>
+          <a:bodyPr rtlCol="0" anchor="t"/>
+          <a:lstStyle/>
+          <a:p>
+            <a:r>
+              <a:rPr lang="es-ES" sz="1200" dirty="0" smtClean="0"/>
+              <a:t>Descripción</a:t>
+            </a:r>
+            <a:endParaRPr lang="es-ES" sz="1200" dirty="0"/>
+          </a:p>
+        </p:txBody>
+      </p:sp>
+      <p:sp>
+        <p:nvSpPr>
+          <p:cNvPr id="13" name="12 CuadroTexto"/>
+          <p:cNvSpPr txBox="1"/>
+          <p:nvPr/>
+        </p:nvSpPr>
+        <p:spPr>
+          <a:xfrm>
+            <a:off x="857224" y="4929198"/>
+            <a:ext cx="2998834" cy="369332"/>
+          </a:xfrm>
+          <a:prstGeom prst="rect">
+            <a:avLst/>
+          </a:prstGeom>
+          <a:noFill/>
+        </p:spPr>
+        <p:txBody>
+          <a:bodyPr wrap="none" rtlCol="0">
+            <a:spAutoFit/>
+          </a:bodyPr>
+          <a:lstStyle/>
+          <a:p>
+            <a:r>
+              <a:rPr lang="es-ES" dirty="0" smtClean="0"/>
+              <a:t>Otros productos del vendedor</a:t>
+            </a:r>
+            <a:endParaRPr lang="es-ES" dirty="0"/>
+          </a:p>
+        </p:txBody>
+      </p:sp>
     </p:spTree>
   </p:cSld>
   <p:clrMapOvr>
